--- a/slides/ssdn-present-v2.pptx
+++ b/slides/ssdn-present-v2.pptx
@@ -19,6 +19,7 @@
     <p:sldId id="264" r:id="rId14"/>
     <p:sldId id="265" r:id="rId15"/>
     <p:sldId id="266" r:id="rId16"/>
+    <p:sldId id="267" r:id="rId17"/>
   </p:sldIdLst>
   <p:sldSz cy="6858000" cx="12192000"/>
   <p:notesSz cx="6858000" cy="9144000"/>
@@ -1165,7 +1166,7 @@
   <p:cSld>
     <p:spTree>
       <p:nvGrpSpPr>
-        <p:cNvPr id="213" name="Shape 213"/>
+        <p:cNvPr id="215" name="Shape 215"/>
         <p:cNvGrpSpPr/>
         <p:nvPr/>
       </p:nvGrpSpPr>
@@ -1179,7 +1180,7 @@
       </p:grpSpPr>
       <p:sp>
         <p:nvSpPr>
-          <p:cNvPr id="214" name="Shape 214"/>
+          <p:cNvPr id="216" name="Shape 216"/>
           <p:cNvSpPr txBox="1"/>
           <p:nvPr>
             <p:ph idx="1" type="body"/>
@@ -1215,7 +1216,7 @@
       </p:sp>
       <p:sp>
         <p:nvSpPr>
-          <p:cNvPr id="215" name="Shape 215"/>
+          <p:cNvPr id="217" name="Shape 217"/>
           <p:cNvSpPr/>
           <p:nvPr>
             <p:ph idx="2" type="sldImg"/>
@@ -1260,7 +1261,7 @@
   <p:cSld>
     <p:spTree>
       <p:nvGrpSpPr>
-        <p:cNvPr id="256" name="Shape 256"/>
+        <p:cNvPr id="226" name="Shape 226"/>
         <p:cNvGrpSpPr/>
         <p:nvPr/>
       </p:nvGrpSpPr>
@@ -1274,7 +1275,7 @@
       </p:grpSpPr>
       <p:sp>
         <p:nvSpPr>
-          <p:cNvPr id="257" name="Shape 257"/>
+          <p:cNvPr id="227" name="Shape 227"/>
           <p:cNvSpPr txBox="1"/>
           <p:nvPr>
             <p:ph idx="1" type="body"/>
@@ -1310,7 +1311,102 @@
       </p:sp>
       <p:sp>
         <p:nvSpPr>
-          <p:cNvPr id="258" name="Shape 258"/>
+          <p:cNvPr id="228" name="Shape 228"/>
+          <p:cNvSpPr/>
+          <p:nvPr>
+            <p:ph idx="2" type="sldImg"/>
+          </p:nvPr>
+        </p:nvSpPr>
+        <p:spPr>
+          <a:xfrm>
+            <a:off x="685800" y="1143000"/>
+            <a:ext cx="5486399" cy="3086099"/>
+          </a:xfrm>
+          <a:custGeom>
+            <a:pathLst>
+              <a:path extrusionOk="0" h="120000" w="120000">
+                <a:moveTo>
+                  <a:pt x="0" y="0"/>
+                </a:moveTo>
+                <a:lnTo>
+                  <a:pt x="120000" y="0"/>
+                </a:lnTo>
+                <a:lnTo>
+                  <a:pt x="120000" y="120000"/>
+                </a:lnTo>
+                <a:lnTo>
+                  <a:pt x="0" y="120000"/>
+                </a:lnTo>
+                <a:close/>
+              </a:path>
+            </a:pathLst>
+          </a:custGeom>
+        </p:spPr>
+      </p:sp>
+    </p:spTree>
+  </p:cSld>
+  <p:clrMapOvr>
+    <a:masterClrMapping/>
+  </p:clrMapOvr>
+</p:notes>
+</file>
+
+<file path=ppt/notesSlides/notesSlide12.xml><?xml version="1.0" encoding="utf-8"?>
+<p:notes xmlns:a="http://schemas.openxmlformats.org/drawingml/2006/main" xmlns:r="http://schemas.openxmlformats.org/officeDocument/2006/relationships" xmlns:mc="http://schemas.openxmlformats.org/markup-compatibility/2006" xmlns:mv="urn:schemas-microsoft-com:mac:vml" xmlns:p="http://schemas.openxmlformats.org/presentationml/2006/main" xmlns:c="http://schemas.openxmlformats.org/drawingml/2006/chart" xmlns:dgm="http://schemas.openxmlformats.org/drawingml/2006/diagram" xmlns:o="urn:schemas-microsoft-com:office:office" xmlns:v="urn:schemas-microsoft-com:vml" xmlns:pvml="urn:schemas-microsoft-com:office:powerpoint" xmlns:com="http://schemas.openxmlformats.org/drawingml/2006/compatibility" xmlns:p14="http://schemas.microsoft.com/office/powerpoint/2010/main" showMasterPhAnim="0" showMasterSp="0">
+  <p:cSld>
+    <p:spTree>
+      <p:nvGrpSpPr>
+        <p:cNvPr id="269" name="Shape 269"/>
+        <p:cNvGrpSpPr/>
+        <p:nvPr/>
+      </p:nvGrpSpPr>
+      <p:grpSpPr>
+        <a:xfrm>
+          <a:off x="0" y="0"/>
+          <a:ext cx="0" cy="0"/>
+          <a:chOff x="0" y="0"/>
+          <a:chExt cx="0" cy="0"/>
+        </a:xfrm>
+      </p:grpSpPr>
+      <p:sp>
+        <p:nvSpPr>
+          <p:cNvPr id="270" name="Shape 270"/>
+          <p:cNvSpPr txBox="1"/>
+          <p:nvPr>
+            <p:ph idx="1" type="body"/>
+          </p:nvPr>
+        </p:nvSpPr>
+        <p:spPr>
+          <a:xfrm>
+            <a:off x="685800" y="4400550"/>
+            <a:ext cx="5486399" cy="3600450"/>
+          </a:xfrm>
+          <a:prstGeom prst="rect">
+            <a:avLst/>
+          </a:prstGeom>
+        </p:spPr>
+        <p:txBody>
+          <a:bodyPr anchorCtr="0" anchor="t" bIns="91425" lIns="91425" rIns="91425" tIns="91425">
+            <a:noAutofit/>
+          </a:bodyPr>
+          <a:lstStyle/>
+          <a:p>
+            <a:pPr lvl="0">
+              <a:spcBef>
+                <a:spcPts val="0"/>
+              </a:spcBef>
+              <a:buNone/>
+            </a:pPr>
+            <a:r>
+              <a:t/>
+            </a:r>
+            <a:endParaRPr/>
+          </a:p>
+        </p:txBody>
+      </p:sp>
+      <p:sp>
+        <p:nvSpPr>
+          <p:cNvPr id="271" name="Shape 271"/>
           <p:cNvSpPr/>
           <p:nvPr>
             <p:ph idx="2" type="sldImg"/>
@@ -1813,7 +1909,7 @@
   <p:cSld>
     <p:spTree>
       <p:nvGrpSpPr>
-        <p:cNvPr id="184" name="Shape 184"/>
+        <p:cNvPr id="186" name="Shape 186"/>
         <p:cNvGrpSpPr/>
         <p:nvPr/>
       </p:nvGrpSpPr>
@@ -1827,7 +1923,7 @@
       </p:grpSpPr>
       <p:sp>
         <p:nvSpPr>
-          <p:cNvPr id="185" name="Shape 185"/>
+          <p:cNvPr id="187" name="Shape 187"/>
           <p:cNvSpPr txBox="1"/>
           <p:nvPr>
             <p:ph idx="1" type="body"/>
@@ -1836,7 +1932,7 @@
         <p:spPr>
           <a:xfrm>
             <a:off x="685800" y="4400550"/>
-            <a:ext cx="5486399" cy="3600450"/>
+            <a:ext cx="5486400" cy="3600600"/>
           </a:xfrm>
           <a:prstGeom prst="rect">
             <a:avLst/>
@@ -1848,7 +1944,7 @@
           </a:bodyPr>
           <a:lstStyle/>
           <a:p>
-            <a:pPr lvl="0">
+            <a:pPr lvl="0" rtl="0">
               <a:spcBef>
                 <a:spcPts val="0"/>
               </a:spcBef>
@@ -1863,7 +1959,7 @@
       </p:sp>
       <p:sp>
         <p:nvSpPr>
-          <p:cNvPr id="186" name="Shape 186"/>
+          <p:cNvPr id="188" name="Shape 188"/>
           <p:cNvSpPr/>
           <p:nvPr>
             <p:ph idx="2" type="sldImg"/>
@@ -1872,7 +1968,7 @@
         <p:spPr>
           <a:xfrm>
             <a:off x="685800" y="1143000"/>
-            <a:ext cx="5486399" cy="3086099"/>
+            <a:ext cx="5486400" cy="3086100"/>
           </a:xfrm>
           <a:custGeom>
             <a:pathLst>
@@ -1908,7 +2004,7 @@
   <p:cSld>
     <p:spTree>
       <p:nvGrpSpPr>
-        <p:cNvPr id="190" name="Shape 190"/>
+        <p:cNvPr id="197" name="Shape 197"/>
         <p:cNvGrpSpPr/>
         <p:nvPr/>
       </p:nvGrpSpPr>
@@ -1922,7 +2018,7 @@
       </p:grpSpPr>
       <p:sp>
         <p:nvSpPr>
-          <p:cNvPr id="191" name="Shape 191"/>
+          <p:cNvPr id="198" name="Shape 198"/>
           <p:cNvSpPr txBox="1"/>
           <p:nvPr>
             <p:ph idx="1" type="body"/>
@@ -1958,7 +2054,7 @@
       </p:sp>
       <p:sp>
         <p:nvSpPr>
-          <p:cNvPr id="192" name="Shape 192"/>
+          <p:cNvPr id="199" name="Shape 199"/>
           <p:cNvSpPr/>
           <p:nvPr>
             <p:ph idx="2" type="sldImg"/>
@@ -2003,7 +2099,7 @@
   <p:cSld>
     <p:spTree>
       <p:nvGrpSpPr>
-        <p:cNvPr id="196" name="Shape 196"/>
+        <p:cNvPr id="203" name="Shape 203"/>
         <p:cNvGrpSpPr/>
         <p:nvPr/>
       </p:nvGrpSpPr>
@@ -2017,7 +2113,7 @@
       </p:grpSpPr>
       <p:sp>
         <p:nvSpPr>
-          <p:cNvPr id="197" name="Shape 197"/>
+          <p:cNvPr id="204" name="Shape 204"/>
           <p:cNvSpPr txBox="1"/>
           <p:nvPr>
             <p:ph idx="1" type="body"/>
@@ -2026,7 +2122,7 @@
         <p:spPr>
           <a:xfrm>
             <a:off x="685800" y="4400550"/>
-            <a:ext cx="5486400" cy="3600600"/>
+            <a:ext cx="5486399" cy="3600450"/>
           </a:xfrm>
           <a:prstGeom prst="rect">
             <a:avLst/>
@@ -2038,7 +2134,7 @@
           </a:bodyPr>
           <a:lstStyle/>
           <a:p>
-            <a:pPr lvl="0" rtl="0">
+            <a:pPr lvl="0">
               <a:spcBef>
                 <a:spcPts val="0"/>
               </a:spcBef>
@@ -2053,7 +2149,7 @@
       </p:sp>
       <p:sp>
         <p:nvSpPr>
-          <p:cNvPr id="198" name="Shape 198"/>
+          <p:cNvPr id="205" name="Shape 205"/>
           <p:cNvSpPr/>
           <p:nvPr>
             <p:ph idx="2" type="sldImg"/>
@@ -2062,7 +2158,7 @@
         <p:spPr>
           <a:xfrm>
             <a:off x="685800" y="1143000"/>
-            <a:ext cx="5486400" cy="3086100"/>
+            <a:ext cx="5486399" cy="3086099"/>
           </a:xfrm>
           <a:custGeom>
             <a:pathLst>
@@ -2098,7 +2194,7 @@
   <p:cSld>
     <p:spTree>
       <p:nvGrpSpPr>
-        <p:cNvPr id="202" name="Shape 202"/>
+        <p:cNvPr id="209" name="Shape 209"/>
         <p:cNvGrpSpPr/>
         <p:nvPr/>
       </p:nvGrpSpPr>
@@ -2112,7 +2208,7 @@
       </p:grpSpPr>
       <p:sp>
         <p:nvSpPr>
-          <p:cNvPr id="203" name="Shape 203"/>
+          <p:cNvPr id="210" name="Shape 210"/>
           <p:cNvSpPr txBox="1"/>
           <p:nvPr>
             <p:ph idx="1" type="body"/>
@@ -2121,7 +2217,7 @@
         <p:spPr>
           <a:xfrm>
             <a:off x="685800" y="4400550"/>
-            <a:ext cx="5486399" cy="3600450"/>
+            <a:ext cx="5486400" cy="3600600"/>
           </a:xfrm>
           <a:prstGeom prst="rect">
             <a:avLst/>
@@ -2133,7 +2229,7 @@
           </a:bodyPr>
           <a:lstStyle/>
           <a:p>
-            <a:pPr lvl="0">
+            <a:pPr lvl="0" rtl="0">
               <a:spcBef>
                 <a:spcPts val="0"/>
               </a:spcBef>
@@ -2148,7 +2244,7 @@
       </p:sp>
       <p:sp>
         <p:nvSpPr>
-          <p:cNvPr id="204" name="Shape 204"/>
+          <p:cNvPr id="211" name="Shape 211"/>
           <p:cNvSpPr/>
           <p:nvPr>
             <p:ph idx="2" type="sldImg"/>
@@ -2157,7 +2253,7 @@
         <p:spPr>
           <a:xfrm>
             <a:off x="685800" y="1143000"/>
-            <a:ext cx="5486399" cy="3086099"/>
+            <a:ext cx="5486400" cy="3086100"/>
           </a:xfrm>
           <a:custGeom>
             <a:pathLst>
@@ -14375,7 +14471,7 @@
             <a:tbl>
               <a:tblPr bandRow="1" firstRow="1">
                 <a:noFill/>
-                <a:tableStyleId>{DC417F6B-19E0-48D5-8501-CFDB1C8F8241}</a:tableStyleId>
+                <a:tableStyleId>{EE8CCB69-A1E3-44A7-899F-9F42116803A1}</a:tableStyleId>
               </a:tblPr>
               <a:tblGrid>
                 <a:gridCol w="4548900"/>
@@ -14653,7 +14749,7 @@
   <p:cSld>
     <p:spTree>
       <p:nvGrpSpPr>
-        <p:cNvPr id="216" name="Shape 216"/>
+        <p:cNvPr id="218" name="Shape 218"/>
         <p:cNvGrpSpPr/>
         <p:nvPr/>
       </p:nvGrpSpPr>
@@ -14667,7 +14763,1390 @@
       </p:grpSpPr>
       <p:sp>
         <p:nvSpPr>
-          <p:cNvPr id="217" name="Shape 217"/>
+          <p:cNvPr id="219" name="Shape 219"/>
+          <p:cNvSpPr txBox="1"/>
+          <p:nvPr>
+            <p:ph type="title"/>
+          </p:nvPr>
+        </p:nvSpPr>
+        <p:spPr>
+          <a:xfrm>
+            <a:off x="1787525" y="239712"/>
+            <a:ext cx="8802688" cy="554037"/>
+          </a:xfrm>
+          <a:prstGeom prst="rect">
+            <a:avLst/>
+          </a:prstGeom>
+          <a:noFill/>
+          <a:ln>
+            <a:noFill/>
+          </a:ln>
+        </p:spPr>
+        <p:txBody>
+          <a:bodyPr anchorCtr="0" anchor="ctr" bIns="45700" lIns="91425" rIns="91425" tIns="45700">
+            <a:noAutofit/>
+          </a:bodyPr>
+          <a:lstStyle/>
+          <a:p>
+            <a:pPr indent="0" lvl="0" marL="0" marR="0" rtl="0" algn="l">
+              <a:lnSpc>
+                <a:spcPct val="90000"/>
+              </a:lnSpc>
+              <a:spcBef>
+                <a:spcPts val="0"/>
+              </a:spcBef>
+              <a:spcAft>
+                <a:spcPts val="0"/>
+              </a:spcAft>
+              <a:buSzPct val="25000"/>
+              <a:buNone/>
+            </a:pPr>
+            <a:r>
+              <a:rPr b="0" i="0" lang="en-US" sz="2400" u="none" cap="none" strike="noStrike">
+                <a:solidFill>
+                  <a:schemeClr val="dk1"/>
+                </a:solidFill>
+                <a:latin typeface="Calibri"/>
+                <a:ea typeface="Calibri"/>
+                <a:cs typeface="Calibri"/>
+                <a:sym typeface="Calibri"/>
+              </a:rPr>
+              <a:t>High-level SDN Programming Abstraction: Function Store (Details; skip)</a:t>
+            </a:r>
+          </a:p>
+        </p:txBody>
+      </p:sp>
+      <p:sp>
+        <p:nvSpPr>
+          <p:cNvPr id="220" name="Shape 220"/>
+          <p:cNvSpPr/>
+          <p:nvPr/>
+        </p:nvSpPr>
+        <p:spPr>
+          <a:xfrm>
+            <a:off x="1603375" y="1757363"/>
+            <a:ext cx="3230563" cy="1077912"/>
+          </a:xfrm>
+          <a:prstGeom prst="rect">
+            <a:avLst/>
+          </a:prstGeom>
+          <a:solidFill>
+            <a:srgbClr val="4F81BD"/>
+          </a:solidFill>
+          <a:ln cap="flat" cmpd="sng" w="9525">
+            <a:solidFill>
+              <a:srgbClr val="000000"/>
+            </a:solidFill>
+            <a:prstDash val="solid"/>
+            <a:round/>
+            <a:headEnd len="med" w="med" type="none"/>
+            <a:tailEnd len="med" w="med" type="none"/>
+          </a:ln>
+        </p:spPr>
+        <p:txBody>
+          <a:bodyPr anchorCtr="0" anchor="t" bIns="45700" lIns="91425" rIns="91425" tIns="45700">
+            <a:noAutofit/>
+          </a:bodyPr>
+          <a:lstStyle/>
+          <a:p>
+            <a:pPr indent="0" lvl="0" marL="0" marR="0" rtl="0" algn="l">
+              <a:spcBef>
+                <a:spcPts val="0"/>
+              </a:spcBef>
+              <a:spcAft>
+                <a:spcPts val="0"/>
+              </a:spcAft>
+              <a:buNone/>
+            </a:pPr>
+            <a:r>
+              <a:t/>
+            </a:r>
+            <a:endParaRPr b="0" baseline="-25000" i="0" sz="2400" u="none" cap="none" strike="noStrike">
+              <a:solidFill>
+                <a:srgbClr val="000000"/>
+              </a:solidFill>
+              <a:latin typeface="Arial"/>
+              <a:ea typeface="Arial"/>
+              <a:cs typeface="Arial"/>
+              <a:sym typeface="Arial"/>
+            </a:endParaRPr>
+          </a:p>
+        </p:txBody>
+      </p:sp>
+      <p:sp>
+        <p:nvSpPr>
+          <p:cNvPr id="221" name="Shape 221"/>
+          <p:cNvSpPr/>
+          <p:nvPr/>
+        </p:nvSpPr>
+        <p:spPr>
+          <a:xfrm>
+            <a:off x="1831273" y="1968150"/>
+            <a:ext cx="751114" cy="588905"/>
+          </a:xfrm>
+          <a:prstGeom prst="flowChartDocument">
+            <a:avLst/>
+          </a:prstGeom>
+          <a:gradFill>
+            <a:gsLst>
+              <a:gs pos="0">
+                <a:srgbClr val="FFFFFF"/>
+              </a:gs>
+              <a:gs pos="35000">
+                <a:srgbClr val="FFFFFF"/>
+              </a:gs>
+              <a:gs pos="100000">
+                <a:schemeClr val="accent2"/>
+              </a:gs>
+            </a:gsLst>
+            <a:path path="circle">
+              <a:fillToRect b="50%" l="50%" r="50%" t="50%"/>
+            </a:path>
+            <a:tileRect/>
+          </a:gradFill>
+          <a:ln cap="flat" cmpd="sng" w="9525">
+            <a:solidFill>
+              <a:schemeClr val="accent1"/>
+            </a:solidFill>
+            <a:prstDash val="solid"/>
+            <a:miter/>
+            <a:headEnd len="med" w="med" type="none"/>
+            <a:tailEnd len="med" w="med" type="none"/>
+          </a:ln>
+        </p:spPr>
+        <p:txBody>
+          <a:bodyPr anchorCtr="0" anchor="ctr" bIns="45700" lIns="91425" rIns="91425" tIns="45700">
+            <a:noAutofit/>
+          </a:bodyPr>
+          <a:lstStyle/>
+          <a:p>
+            <a:pPr indent="0" lvl="0" marL="0" marR="0" rtl="0" algn="ctr">
+              <a:spcBef>
+                <a:spcPts val="0"/>
+              </a:spcBef>
+              <a:spcAft>
+                <a:spcPts val="0"/>
+              </a:spcAft>
+              <a:buSzPct val="25000"/>
+              <a:buNone/>
+            </a:pPr>
+            <a:r>
+              <a:rPr b="0" i="0" lang="en-US" sz="1200" u="none" cap="none" strike="noStrike">
+                <a:solidFill>
+                  <a:srgbClr val="C00000"/>
+                </a:solidFill>
+                <a:latin typeface="Arial"/>
+                <a:ea typeface="Arial"/>
+                <a:cs typeface="Arial"/>
+                <a:sym typeface="Arial"/>
+              </a:rPr>
+              <a:t>function</a:t>
+            </a:r>
+            <a:br>
+              <a:rPr b="0" i="0" lang="en-US" sz="1200" u="none" cap="none" strike="noStrike">
+                <a:solidFill>
+                  <a:srgbClr val="C00000"/>
+                </a:solidFill>
+                <a:latin typeface="Arial"/>
+                <a:ea typeface="Arial"/>
+                <a:cs typeface="Arial"/>
+                <a:sym typeface="Arial"/>
+              </a:rPr>
+            </a:br>
+            <a:r>
+              <a:rPr b="0" i="0" lang="en-US" sz="1200" u="none" cap="none" strike="noStrike">
+                <a:solidFill>
+                  <a:srgbClr val="C00000"/>
+                </a:solidFill>
+                <a:latin typeface="Arial"/>
+                <a:ea typeface="Arial"/>
+                <a:cs typeface="Arial"/>
+                <a:sym typeface="Arial"/>
+              </a:rPr>
+              <a:t>instance</a:t>
+            </a:r>
+          </a:p>
+        </p:txBody>
+      </p:sp>
+      <p:sp>
+        <p:nvSpPr>
+          <p:cNvPr id="222" name="Shape 222"/>
+          <p:cNvSpPr txBox="1"/>
+          <p:nvPr/>
+        </p:nvSpPr>
+        <p:spPr>
+          <a:xfrm>
+            <a:off x="5046662" y="1552575"/>
+            <a:ext cx="5259387" cy="4645024"/>
+          </a:xfrm>
+          <a:prstGeom prst="rect">
+            <a:avLst/>
+          </a:prstGeom>
+          <a:noFill/>
+          <a:ln cap="flat" cmpd="sng" w="9525">
+            <a:solidFill>
+              <a:srgbClr val="000000"/>
+            </a:solidFill>
+            <a:prstDash val="solid"/>
+            <a:miter/>
+            <a:headEnd len="med" w="med" type="none"/>
+            <a:tailEnd len="med" w="med" type="none"/>
+          </a:ln>
+        </p:spPr>
+        <p:txBody>
+          <a:bodyPr anchorCtr="0" anchor="t" bIns="91425" lIns="91425" rIns="91425" tIns="91425">
+            <a:noAutofit/>
+          </a:bodyPr>
+          <a:lstStyle/>
+          <a:p>
+            <a:pPr indent="0" lvl="0" marL="0" marR="0" rtl="0" algn="l">
+              <a:lnSpc>
+                <a:spcPct val="100000"/>
+              </a:lnSpc>
+              <a:spcBef>
+                <a:spcPts val="0"/>
+              </a:spcBef>
+              <a:spcAft>
+                <a:spcPts val="0"/>
+              </a:spcAft>
+              <a:buClr>
+                <a:srgbClr val="6E7BBD"/>
+              </a:buClr>
+              <a:buSzPct val="25000"/>
+              <a:buFont typeface="Calibri"/>
+              <a:buNone/>
+            </a:pPr>
+            <a:r>
+              <a:rPr b="1" i="0" lang="en-US" sz="1400" u="none" cap="none" strike="noStrike">
+                <a:solidFill>
+                  <a:srgbClr val="000000"/>
+                </a:solidFill>
+                <a:latin typeface="Consolas"/>
+                <a:ea typeface="Consolas"/>
+                <a:cs typeface="Consolas"/>
+                <a:sym typeface="Consolas"/>
+              </a:rPr>
+              <a:t>public void </a:t>
+            </a:r>
+            <a:r>
+              <a:rPr b="1" i="0" lang="en-US" sz="1400" u="none" cap="none" strike="noStrike">
+                <a:solidFill>
+                  <a:srgbClr val="FF0000"/>
+                </a:solidFill>
+                <a:latin typeface="Consolas"/>
+                <a:ea typeface="Consolas"/>
+                <a:cs typeface="Consolas"/>
+                <a:sym typeface="Consolas"/>
+              </a:rPr>
+              <a:t>QoSRouting</a:t>
+            </a:r>
+            <a:r>
+              <a:rPr b="1" i="0" lang="en-US" sz="1400" u="none" cap="none" strike="noStrike">
+                <a:solidFill>
+                  <a:srgbClr val="000000"/>
+                </a:solidFill>
+                <a:latin typeface="Consolas"/>
+                <a:ea typeface="Consolas"/>
+                <a:cs typeface="Consolas"/>
+                <a:sym typeface="Consolas"/>
+              </a:rPr>
+              <a:t>(</a:t>
+            </a:r>
+            <a:r>
+              <a:rPr b="1" i="0" lang="en-US" sz="1400" u="none" cap="none" strike="noStrike">
+                <a:solidFill>
+                  <a:srgbClr val="FF0000"/>
+                </a:solidFill>
+                <a:latin typeface="Consolas"/>
+                <a:ea typeface="Consolas"/>
+                <a:cs typeface="Consolas"/>
+                <a:sym typeface="Consolas"/>
+              </a:rPr>
+              <a:t>Ipv4Address src, </a:t>
+            </a:r>
+            <a:br>
+              <a:rPr b="1" i="0" lang="en-US" sz="1400" u="none" cap="none" strike="noStrike">
+                <a:solidFill>
+                  <a:srgbClr val="FF0000"/>
+                </a:solidFill>
+                <a:latin typeface="Consolas"/>
+                <a:ea typeface="Consolas"/>
+                <a:cs typeface="Consolas"/>
+                <a:sym typeface="Consolas"/>
+              </a:rPr>
+            </a:br>
+            <a:r>
+              <a:rPr b="1" i="0" lang="en-US" sz="1400" u="none" cap="none" strike="noStrike">
+                <a:solidFill>
+                  <a:srgbClr val="FF0000"/>
+                </a:solidFill>
+                <a:latin typeface="Consolas"/>
+                <a:ea typeface="Consolas"/>
+                <a:cs typeface="Consolas"/>
+                <a:sym typeface="Consolas"/>
+              </a:rPr>
+              <a:t>            Ipv4Address dst, int requiredBw</a:t>
+            </a:r>
+            <a:r>
+              <a:rPr b="1" i="0" lang="en-US" sz="1400" u="none" cap="none" strike="noStrike">
+                <a:solidFill>
+                  <a:srgbClr val="000000"/>
+                </a:solidFill>
+                <a:latin typeface="Consolas"/>
+                <a:ea typeface="Consolas"/>
+                <a:cs typeface="Consolas"/>
+                <a:sym typeface="Consolas"/>
+              </a:rPr>
+              <a:t>) {</a:t>
+            </a:r>
+          </a:p>
+          <a:p>
+            <a:pPr indent="0" lvl="0" marL="0" marR="0" rtl="0" algn="l">
+              <a:lnSpc>
+                <a:spcPct val="100000"/>
+              </a:lnSpc>
+              <a:spcBef>
+                <a:spcPts val="0"/>
+              </a:spcBef>
+              <a:spcAft>
+                <a:spcPts val="0"/>
+              </a:spcAft>
+              <a:buClr>
+                <a:srgbClr val="6E7BBD"/>
+              </a:buClr>
+              <a:buSzPct val="25000"/>
+              <a:buFont typeface="Calibri"/>
+              <a:buNone/>
+            </a:pPr>
+            <a:r>
+              <a:rPr b="1" i="0" lang="en-US" sz="1400" u="none" cap="none" strike="noStrike">
+                <a:solidFill>
+                  <a:srgbClr val="000000"/>
+                </a:solidFill>
+                <a:latin typeface="Consolas"/>
+                <a:ea typeface="Consolas"/>
+                <a:cs typeface="Consolas"/>
+                <a:sym typeface="Consolas"/>
+              </a:rPr>
+              <a:t>  srcNode, dstNode = </a:t>
+            </a:r>
+            <a:r>
+              <a:rPr b="1" i="0" lang="en-US" sz="1400" u="none" cap="none" strike="noStrike">
+                <a:solidFill>
+                  <a:srgbClr val="FF0000"/>
+                </a:solidFill>
+                <a:latin typeface="Consolas"/>
+                <a:ea typeface="Consolas"/>
+                <a:cs typeface="Consolas"/>
+                <a:sym typeface="Consolas"/>
+              </a:rPr>
+              <a:t>mapToNode</a:t>
+            </a:r>
+            <a:r>
+              <a:rPr b="1" i="0" lang="en-US" sz="1400" u="none" cap="none" strike="noStrike">
+                <a:solidFill>
+                  <a:srgbClr val="000000"/>
+                </a:solidFill>
+                <a:latin typeface="Consolas"/>
+                <a:ea typeface="Consolas"/>
+                <a:cs typeface="Consolas"/>
+                <a:sym typeface="Consolas"/>
+              </a:rPr>
+              <a:t>(src, dst);</a:t>
+            </a:r>
+          </a:p>
+          <a:p>
+            <a:pPr indent="0" lvl="0" marL="0" marR="0" rtl="0" algn="l">
+              <a:lnSpc>
+                <a:spcPct val="100000"/>
+              </a:lnSpc>
+              <a:spcBef>
+                <a:spcPts val="0"/>
+              </a:spcBef>
+              <a:spcAft>
+                <a:spcPts val="0"/>
+              </a:spcAft>
+              <a:buClr>
+                <a:srgbClr val="6E7BBD"/>
+              </a:buClr>
+              <a:buSzPct val="25000"/>
+              <a:buFont typeface="Calibri"/>
+              <a:buNone/>
+            </a:pPr>
+            <a:r>
+              <a:rPr b="1" i="0" lang="en-US" sz="1400" u="none" cap="none" strike="noStrike">
+                <a:solidFill>
+                  <a:srgbClr val="000000"/>
+                </a:solidFill>
+                <a:latin typeface="Consolas"/>
+                <a:ea typeface="Consolas"/>
+                <a:cs typeface="Consolas"/>
+                <a:sym typeface="Consolas"/>
+              </a:rPr>
+              <a:t>  topology = </a:t>
+            </a:r>
+            <a:r>
+              <a:rPr b="1" i="0" lang="en-US" sz="1400" u="none" cap="none" strike="noStrike">
+                <a:solidFill>
+                  <a:srgbClr val="FF0000"/>
+                </a:solidFill>
+                <a:latin typeface="Consolas"/>
+                <a:ea typeface="Consolas"/>
+                <a:cs typeface="Consolas"/>
+                <a:sym typeface="Consolas"/>
+              </a:rPr>
+              <a:t>readTopology()</a:t>
+            </a:r>
+            <a:r>
+              <a:rPr b="1" i="0" lang="en-US" sz="1400" u="none" cap="none" strike="noStrike">
+                <a:solidFill>
+                  <a:srgbClr val="000000"/>
+                </a:solidFill>
+                <a:latin typeface="Consolas"/>
+                <a:ea typeface="Consolas"/>
+                <a:cs typeface="Consolas"/>
+                <a:sym typeface="Consolas"/>
+              </a:rPr>
+              <a:t>;</a:t>
+            </a:r>
+          </a:p>
+          <a:p>
+            <a:pPr indent="0" lvl="0" marL="0" marR="0" rtl="0" algn="l">
+              <a:lnSpc>
+                <a:spcPct val="100000"/>
+              </a:lnSpc>
+              <a:spcBef>
+                <a:spcPts val="0"/>
+              </a:spcBef>
+              <a:spcAft>
+                <a:spcPts val="0"/>
+              </a:spcAft>
+              <a:buClr>
+                <a:srgbClr val="6E7BBD"/>
+              </a:buClr>
+              <a:buFont typeface="Calibri"/>
+              <a:buNone/>
+            </a:pPr>
+            <a:r>
+              <a:t/>
+            </a:r>
+            <a:endParaRPr b="1" i="0" sz="1400" u="none" cap="none" strike="noStrike">
+              <a:solidFill>
+                <a:srgbClr val="000000"/>
+              </a:solidFill>
+              <a:latin typeface="Consolas"/>
+              <a:ea typeface="Consolas"/>
+              <a:cs typeface="Consolas"/>
+              <a:sym typeface="Consolas"/>
+            </a:endParaRPr>
+          </a:p>
+          <a:p>
+            <a:pPr indent="0" lvl="0" marL="0" marR="0" rtl="0" algn="l">
+              <a:lnSpc>
+                <a:spcPct val="100000"/>
+              </a:lnSpc>
+              <a:spcBef>
+                <a:spcPts val="0"/>
+              </a:spcBef>
+              <a:spcAft>
+                <a:spcPts val="0"/>
+              </a:spcAft>
+              <a:buClr>
+                <a:srgbClr val="6E7BBD"/>
+              </a:buClr>
+              <a:buSzPct val="25000"/>
+              <a:buFont typeface="Calibri"/>
+              <a:buNone/>
+            </a:pPr>
+            <a:r>
+              <a:rPr b="1" i="0" lang="en-US" sz="1400" u="none" cap="none" strike="noStrike">
+                <a:solidFill>
+                  <a:srgbClr val="000000"/>
+                </a:solidFill>
+                <a:latin typeface="Consolas"/>
+                <a:ea typeface="Consolas"/>
+                <a:cs typeface="Consolas"/>
+                <a:sym typeface="Consolas"/>
+              </a:rPr>
+              <a:t>  pq.add(srcNode);</a:t>
+            </a:r>
+          </a:p>
+          <a:p>
+            <a:pPr indent="0" lvl="0" marL="0" marR="0" rtl="0" algn="l">
+              <a:lnSpc>
+                <a:spcPct val="100000"/>
+              </a:lnSpc>
+              <a:spcBef>
+                <a:spcPts val="0"/>
+              </a:spcBef>
+              <a:spcAft>
+                <a:spcPts val="0"/>
+              </a:spcAft>
+              <a:buClr>
+                <a:srgbClr val="6E7BBD"/>
+              </a:buClr>
+              <a:buSzPct val="25000"/>
+              <a:buFont typeface="Calibri"/>
+              <a:buNone/>
+            </a:pPr>
+            <a:r>
+              <a:rPr b="1" i="0" lang="en-US" sz="1400" u="none" cap="none" strike="noStrike">
+                <a:solidFill>
+                  <a:srgbClr val="000000"/>
+                </a:solidFill>
+                <a:latin typeface="Consolas"/>
+                <a:ea typeface="Consolas"/>
+                <a:cs typeface="Consolas"/>
+                <a:sym typeface="Consolas"/>
+              </a:rPr>
+              <a:t>  while (!pq.isEmpty()) {</a:t>
+            </a:r>
+          </a:p>
+          <a:p>
+            <a:pPr indent="0" lvl="0" marL="0" marR="0" rtl="0" algn="l">
+              <a:lnSpc>
+                <a:spcPct val="100000"/>
+              </a:lnSpc>
+              <a:spcBef>
+                <a:spcPts val="0"/>
+              </a:spcBef>
+              <a:spcAft>
+                <a:spcPts val="0"/>
+              </a:spcAft>
+              <a:buClr>
+                <a:srgbClr val="6E7BBD"/>
+              </a:buClr>
+              <a:buSzPct val="25000"/>
+              <a:buFont typeface="Calibri"/>
+              <a:buNone/>
+            </a:pPr>
+            <a:r>
+              <a:rPr b="1" i="0" lang="en-US" sz="1400" u="none" cap="none" strike="noStrike">
+                <a:solidFill>
+                  <a:srgbClr val="000000"/>
+                </a:solidFill>
+                <a:latin typeface="Consolas"/>
+                <a:ea typeface="Consolas"/>
+                <a:cs typeface="Consolas"/>
+                <a:sym typeface="Consolas"/>
+              </a:rPr>
+              <a:t>    n = pq.pop();</a:t>
+            </a:r>
+          </a:p>
+          <a:p>
+            <a:pPr indent="0" lvl="0" marL="0" marR="0" rtl="0" algn="l">
+              <a:lnSpc>
+                <a:spcPct val="100000"/>
+              </a:lnSpc>
+              <a:spcBef>
+                <a:spcPts val="0"/>
+              </a:spcBef>
+              <a:spcAft>
+                <a:spcPts val="0"/>
+              </a:spcAft>
+              <a:buClr>
+                <a:srgbClr val="6E7BBD"/>
+              </a:buClr>
+              <a:buSzPct val="25000"/>
+              <a:buFont typeface="Calibri"/>
+              <a:buNone/>
+            </a:pPr>
+            <a:r>
+              <a:rPr b="1" i="0" lang="en-US" sz="1400" u="none" cap="none" strike="noStrike">
+                <a:solidFill>
+                  <a:srgbClr val="000000"/>
+                </a:solidFill>
+                <a:latin typeface="Consolas"/>
+                <a:ea typeface="Consolas"/>
+                <a:cs typeface="Consolas"/>
+                <a:sym typeface="Consolas"/>
+              </a:rPr>
+              <a:t>    if (bw_src(n) &lt; requiredBw)</a:t>
+            </a:r>
+          </a:p>
+          <a:p>
+            <a:pPr indent="0" lvl="0" marL="0" marR="0" rtl="0" algn="l">
+              <a:lnSpc>
+                <a:spcPct val="100000"/>
+              </a:lnSpc>
+              <a:spcBef>
+                <a:spcPts val="0"/>
+              </a:spcBef>
+              <a:spcAft>
+                <a:spcPts val="0"/>
+              </a:spcAft>
+              <a:buClr>
+                <a:srgbClr val="6E7BBD"/>
+              </a:buClr>
+              <a:buSzPct val="25000"/>
+              <a:buFont typeface="Calibri"/>
+              <a:buNone/>
+            </a:pPr>
+            <a:r>
+              <a:rPr b="1" i="0" lang="en-US" sz="1400" u="none" cap="none" strike="noStrike">
+                <a:solidFill>
+                  <a:srgbClr val="000000"/>
+                </a:solidFill>
+                <a:latin typeface="Consolas"/>
+                <a:ea typeface="Consolas"/>
+                <a:cs typeface="Consolas"/>
+                <a:sym typeface="Consolas"/>
+              </a:rPr>
+              <a:t>      return failure</a:t>
+            </a:r>
+          </a:p>
+          <a:p>
+            <a:pPr indent="0" lvl="0" marL="0" marR="0" rtl="0" algn="l">
+              <a:lnSpc>
+                <a:spcPct val="100000"/>
+              </a:lnSpc>
+              <a:spcBef>
+                <a:spcPts val="0"/>
+              </a:spcBef>
+              <a:spcAft>
+                <a:spcPts val="0"/>
+              </a:spcAft>
+              <a:buClr>
+                <a:srgbClr val="6E7BBD"/>
+              </a:buClr>
+              <a:buSzPct val="25000"/>
+              <a:buFont typeface="Calibri"/>
+              <a:buNone/>
+            </a:pPr>
+            <a:r>
+              <a:rPr b="1" i="0" lang="en-US" sz="1400" u="none" cap="none" strike="noStrike">
+                <a:solidFill>
+                  <a:srgbClr val="000000"/>
+                </a:solidFill>
+                <a:latin typeface="Consolas"/>
+                <a:ea typeface="Consolas"/>
+                <a:cs typeface="Consolas"/>
+                <a:sym typeface="Consolas"/>
+              </a:rPr>
+              <a:t>    if (n == dstNode)</a:t>
+            </a:r>
+          </a:p>
+          <a:p>
+            <a:pPr indent="0" lvl="0" marL="0" marR="0" rtl="0" algn="l">
+              <a:lnSpc>
+                <a:spcPct val="100000"/>
+              </a:lnSpc>
+              <a:spcBef>
+                <a:spcPts val="0"/>
+              </a:spcBef>
+              <a:spcAft>
+                <a:spcPts val="0"/>
+              </a:spcAft>
+              <a:buClr>
+                <a:srgbClr val="6E7BBD"/>
+              </a:buClr>
+              <a:buSzPct val="25000"/>
+              <a:buFont typeface="Calibri"/>
+              <a:buNone/>
+            </a:pPr>
+            <a:r>
+              <a:rPr b="1" i="0" lang="en-US" sz="1400" u="none" cap="none" strike="noStrike">
+                <a:solidFill>
+                  <a:srgbClr val="000000"/>
+                </a:solidFill>
+                <a:latin typeface="Consolas"/>
+                <a:ea typeface="Consolas"/>
+                <a:cs typeface="Consolas"/>
+                <a:sym typeface="Consolas"/>
+              </a:rPr>
+              <a:t>      return </a:t>
+            </a:r>
+            <a:r>
+              <a:rPr b="1" i="0" lang="en-US" sz="1400" u="none" cap="none" strike="noStrike">
+                <a:solidFill>
+                  <a:srgbClr val="0000FF"/>
+                </a:solidFill>
+                <a:latin typeface="Consolas"/>
+                <a:ea typeface="Consolas"/>
+                <a:cs typeface="Consolas"/>
+                <a:sym typeface="Consolas"/>
+              </a:rPr>
+              <a:t>writeRoute(src, dst, path)</a:t>
+            </a:r>
+            <a:r>
+              <a:rPr b="1" i="0" lang="en-US" sz="1400" u="none" cap="none" strike="noStrike">
+                <a:solidFill>
+                  <a:srgbClr val="000000"/>
+                </a:solidFill>
+                <a:latin typeface="Consolas"/>
+                <a:ea typeface="Consolas"/>
+                <a:cs typeface="Consolas"/>
+                <a:sym typeface="Consolas"/>
+              </a:rPr>
+              <a:t>;</a:t>
+            </a:r>
+          </a:p>
+          <a:p>
+            <a:pPr indent="0" lvl="0" marL="0" marR="0" rtl="0" algn="l">
+              <a:lnSpc>
+                <a:spcPct val="100000"/>
+              </a:lnSpc>
+              <a:spcBef>
+                <a:spcPts val="0"/>
+              </a:spcBef>
+              <a:spcAft>
+                <a:spcPts val="0"/>
+              </a:spcAft>
+              <a:buClr>
+                <a:srgbClr val="6E7BBD"/>
+              </a:buClr>
+              <a:buSzPct val="25000"/>
+              <a:buFont typeface="Calibri"/>
+              <a:buNone/>
+            </a:pPr>
+            <a:r>
+              <a:rPr b="1" i="0" lang="en-US" sz="1400" u="none" cap="none" strike="noStrike">
+                <a:solidFill>
+                  <a:srgbClr val="000000"/>
+                </a:solidFill>
+                <a:latin typeface="Consolas"/>
+                <a:ea typeface="Consolas"/>
+                <a:cs typeface="Consolas"/>
+                <a:sym typeface="Consolas"/>
+              </a:rPr>
+              <a:t>    for (e(n-&gt;m): </a:t>
+            </a:r>
+            <a:r>
+              <a:rPr b="1" i="0" lang="en-US" sz="1400" u="none" cap="none" strike="noStrike">
+                <a:solidFill>
+                  <a:srgbClr val="FF0000"/>
+                </a:solidFill>
+                <a:latin typeface="Consolas"/>
+                <a:ea typeface="Consolas"/>
+                <a:cs typeface="Consolas"/>
+                <a:sym typeface="Consolas"/>
+              </a:rPr>
+              <a:t>n.neighbors</a:t>
+            </a:r>
+            <a:r>
+              <a:rPr b="1" i="0" lang="en-US" sz="1400" u="none" cap="none" strike="noStrike">
+                <a:solidFill>
+                  <a:srgbClr val="000000"/>
+                </a:solidFill>
+                <a:latin typeface="Consolas"/>
+                <a:ea typeface="Consolas"/>
+                <a:cs typeface="Consolas"/>
+                <a:sym typeface="Consolas"/>
+              </a:rPr>
+              <a:t>) {</a:t>
+            </a:r>
+          </a:p>
+          <a:p>
+            <a:pPr indent="0" lvl="0" marL="0" marR="0" rtl="0" algn="l">
+              <a:lnSpc>
+                <a:spcPct val="100000"/>
+              </a:lnSpc>
+              <a:spcBef>
+                <a:spcPts val="0"/>
+              </a:spcBef>
+              <a:spcAft>
+                <a:spcPts val="0"/>
+              </a:spcAft>
+              <a:buClr>
+                <a:srgbClr val="6E7BBD"/>
+              </a:buClr>
+              <a:buSzPct val="25000"/>
+              <a:buFont typeface="Calibri"/>
+              <a:buNone/>
+            </a:pPr>
+            <a:r>
+              <a:rPr b="1" i="0" lang="en-US" sz="1400" u="none" cap="none" strike="noStrike">
+                <a:solidFill>
+                  <a:srgbClr val="000000"/>
+                </a:solidFill>
+                <a:latin typeface="Consolas"/>
+                <a:ea typeface="Consolas"/>
+                <a:cs typeface="Consolas"/>
+                <a:sym typeface="Consolas"/>
+              </a:rPr>
+              <a:t>      if (min(</a:t>
+            </a:r>
+            <a:r>
+              <a:rPr b="1" i="0" lang="en-US" sz="1400" u="none" cap="none" strike="noStrike">
+                <a:solidFill>
+                  <a:srgbClr val="FF0000"/>
+                </a:solidFill>
+                <a:latin typeface="Consolas"/>
+                <a:ea typeface="Consolas"/>
+                <a:cs typeface="Consolas"/>
+                <a:sym typeface="Consolas"/>
+              </a:rPr>
+              <a:t>e.bw</a:t>
+            </a:r>
+            <a:r>
+              <a:rPr b="1" i="0" lang="en-US" sz="1400" u="none" cap="none" strike="noStrike">
+                <a:solidFill>
+                  <a:srgbClr val="000000"/>
+                </a:solidFill>
+                <a:latin typeface="Consolas"/>
+                <a:ea typeface="Consolas"/>
+                <a:cs typeface="Consolas"/>
+                <a:sym typeface="Consolas"/>
+              </a:rPr>
+              <a:t>, bw_src(n)) &gt; bw_src(m)) {</a:t>
+            </a:r>
+          </a:p>
+          <a:p>
+            <a:pPr indent="0" lvl="0" marL="0" marR="0" rtl="0" algn="l">
+              <a:lnSpc>
+                <a:spcPct val="100000"/>
+              </a:lnSpc>
+              <a:spcBef>
+                <a:spcPts val="0"/>
+              </a:spcBef>
+              <a:spcAft>
+                <a:spcPts val="0"/>
+              </a:spcAft>
+              <a:buClr>
+                <a:srgbClr val="6E7BBD"/>
+              </a:buClr>
+              <a:buSzPct val="25000"/>
+              <a:buFont typeface="Calibri"/>
+              <a:buNone/>
+            </a:pPr>
+            <a:r>
+              <a:rPr b="1" i="0" lang="en-US" sz="1400" u="none" cap="none" strike="noStrike">
+                <a:solidFill>
+                  <a:srgbClr val="000000"/>
+                </a:solidFill>
+                <a:latin typeface="Consolas"/>
+                <a:ea typeface="Consolas"/>
+                <a:cs typeface="Consolas"/>
+                <a:sym typeface="Consolas"/>
+              </a:rPr>
+              <a:t>         updateBw(m, min(e.bw, bw_src(n)));</a:t>
+            </a:r>
+          </a:p>
+          <a:p>
+            <a:pPr indent="0" lvl="0" marL="0" marR="0" rtl="0" algn="l">
+              <a:lnSpc>
+                <a:spcPct val="100000"/>
+              </a:lnSpc>
+              <a:spcBef>
+                <a:spcPts val="0"/>
+              </a:spcBef>
+              <a:spcAft>
+                <a:spcPts val="0"/>
+              </a:spcAft>
+              <a:buClr>
+                <a:srgbClr val="6E7BBD"/>
+              </a:buClr>
+              <a:buSzPct val="25000"/>
+              <a:buFont typeface="Calibri"/>
+              <a:buNone/>
+            </a:pPr>
+            <a:r>
+              <a:rPr b="1" i="0" lang="en-US" sz="1400" u="none" cap="none" strike="noStrike">
+                <a:solidFill>
+                  <a:srgbClr val="000000"/>
+                </a:solidFill>
+                <a:latin typeface="Consolas"/>
+                <a:ea typeface="Consolas"/>
+                <a:cs typeface="Consolas"/>
+                <a:sym typeface="Consolas"/>
+              </a:rPr>
+              <a:t>         ...</a:t>
+            </a:r>
+          </a:p>
+          <a:p>
+            <a:pPr indent="0" lvl="0" marL="0" marR="0" rtl="0" algn="l">
+              <a:lnSpc>
+                <a:spcPct val="100000"/>
+              </a:lnSpc>
+              <a:spcBef>
+                <a:spcPts val="0"/>
+              </a:spcBef>
+              <a:spcAft>
+                <a:spcPts val="0"/>
+              </a:spcAft>
+              <a:buClr>
+                <a:srgbClr val="6E7BBD"/>
+              </a:buClr>
+              <a:buSzPct val="25000"/>
+              <a:buFont typeface="Calibri"/>
+              <a:buNone/>
+            </a:pPr>
+            <a:r>
+              <a:rPr b="1" i="0" lang="en-US" sz="1400" u="none" cap="none" strike="noStrike">
+                <a:solidFill>
+                  <a:srgbClr val="000000"/>
+                </a:solidFill>
+                <a:latin typeface="Consolas"/>
+                <a:ea typeface="Consolas"/>
+                <a:cs typeface="Consolas"/>
+                <a:sym typeface="Consolas"/>
+              </a:rPr>
+              <a:t>      }</a:t>
+            </a:r>
+          </a:p>
+          <a:p>
+            <a:pPr indent="0" lvl="0" marL="0" marR="0" rtl="0" algn="l">
+              <a:lnSpc>
+                <a:spcPct val="100000"/>
+              </a:lnSpc>
+              <a:spcBef>
+                <a:spcPts val="0"/>
+              </a:spcBef>
+              <a:spcAft>
+                <a:spcPts val="0"/>
+              </a:spcAft>
+              <a:buClr>
+                <a:srgbClr val="6E7BBD"/>
+              </a:buClr>
+              <a:buSzPct val="25000"/>
+              <a:buFont typeface="Calibri"/>
+              <a:buNone/>
+            </a:pPr>
+            <a:r>
+              <a:rPr b="1" i="0" lang="en-US" sz="1400" u="none" cap="none" strike="noStrike">
+                <a:solidFill>
+                  <a:srgbClr val="000000"/>
+                </a:solidFill>
+                <a:latin typeface="Consolas"/>
+                <a:ea typeface="Consolas"/>
+                <a:cs typeface="Consolas"/>
+                <a:sym typeface="Consolas"/>
+              </a:rPr>
+              <a:t>    }</a:t>
+            </a:r>
+          </a:p>
+          <a:p>
+            <a:pPr indent="0" lvl="0" marL="0" marR="0" rtl="0" algn="l">
+              <a:lnSpc>
+                <a:spcPct val="100000"/>
+              </a:lnSpc>
+              <a:spcBef>
+                <a:spcPts val="0"/>
+              </a:spcBef>
+              <a:spcAft>
+                <a:spcPts val="0"/>
+              </a:spcAft>
+              <a:buClr>
+                <a:srgbClr val="6E7BBD"/>
+              </a:buClr>
+              <a:buSzPct val="25000"/>
+              <a:buFont typeface="Calibri"/>
+              <a:buNone/>
+            </a:pPr>
+            <a:r>
+              <a:rPr b="1" i="0" lang="en-US" sz="1400" u="none" cap="none" strike="noStrike">
+                <a:solidFill>
+                  <a:srgbClr val="000000"/>
+                </a:solidFill>
+                <a:latin typeface="Consolas"/>
+                <a:ea typeface="Consolas"/>
+                <a:cs typeface="Consolas"/>
+                <a:sym typeface="Consolas"/>
+              </a:rPr>
+              <a:t>  }</a:t>
+            </a:r>
+          </a:p>
+          <a:p>
+            <a:pPr indent="0" lvl="0" marL="0" marR="0" rtl="0" algn="l">
+              <a:lnSpc>
+                <a:spcPct val="100000"/>
+              </a:lnSpc>
+              <a:spcBef>
+                <a:spcPts val="0"/>
+              </a:spcBef>
+              <a:spcAft>
+                <a:spcPts val="0"/>
+              </a:spcAft>
+              <a:buClr>
+                <a:srgbClr val="6E7BBD"/>
+              </a:buClr>
+              <a:buSzPct val="25000"/>
+              <a:buFont typeface="Calibri"/>
+              <a:buNone/>
+            </a:pPr>
+            <a:r>
+              <a:rPr b="1" i="0" lang="en-US" sz="1400" u="none" cap="none" strike="noStrike">
+                <a:solidFill>
+                  <a:srgbClr val="000000"/>
+                </a:solidFill>
+                <a:latin typeface="Consolas"/>
+                <a:ea typeface="Consolas"/>
+                <a:cs typeface="Consolas"/>
+                <a:sym typeface="Consolas"/>
+              </a:rPr>
+              <a:t>  return failure }</a:t>
+            </a:r>
+          </a:p>
+        </p:txBody>
+      </p:sp>
+      <p:sp>
+        <p:nvSpPr>
+          <p:cNvPr id="223" name="Shape 223"/>
+          <p:cNvSpPr txBox="1"/>
+          <p:nvPr>
+            <p:ph idx="1" type="body"/>
+          </p:nvPr>
+        </p:nvSpPr>
+        <p:spPr>
+          <a:xfrm>
+            <a:off x="1617662" y="3041650"/>
+            <a:ext cx="3216275" cy="3155950"/>
+          </a:xfrm>
+          <a:prstGeom prst="rect">
+            <a:avLst/>
+          </a:prstGeom>
+          <a:noFill/>
+          <a:ln cap="flat" cmpd="sng" w="9525">
+            <a:solidFill>
+              <a:srgbClr val="5597D3"/>
+            </a:solidFill>
+            <a:prstDash val="solid"/>
+            <a:round/>
+            <a:headEnd len="med" w="med" type="none"/>
+            <a:tailEnd len="med" w="med" type="none"/>
+          </a:ln>
+        </p:spPr>
+        <p:txBody>
+          <a:bodyPr anchorCtr="0" anchor="t" bIns="45700" lIns="91425" rIns="91425" tIns="45700">
+            <a:noAutofit/>
+          </a:bodyPr>
+          <a:lstStyle/>
+          <a:p>
+            <a:pPr indent="-342900" lvl="2" marL="342900" marR="0" rtl="0" algn="l">
+              <a:lnSpc>
+                <a:spcPct val="90000"/>
+              </a:lnSpc>
+              <a:spcBef>
+                <a:spcPts val="0"/>
+              </a:spcBef>
+              <a:spcAft>
+                <a:spcPts val="0"/>
+              </a:spcAft>
+              <a:buClr>
+                <a:schemeClr val="dk1"/>
+              </a:buClr>
+              <a:buSzPct val="100000"/>
+              <a:buFont typeface="Arial"/>
+              <a:buChar char="•"/>
+            </a:pPr>
+            <a:r>
+              <a:rPr b="0" i="0" lang="en-US" sz="2000" u="none" cap="none" strike="noStrike">
+                <a:solidFill>
+                  <a:schemeClr val="dk1"/>
+                </a:solidFill>
+                <a:latin typeface="Calibri"/>
+                <a:ea typeface="Calibri"/>
+                <a:cs typeface="Calibri"/>
+                <a:sym typeface="Calibri"/>
+              </a:rPr>
+              <a:t>Allow generic functions</a:t>
+            </a:r>
+          </a:p>
+          <a:p>
+            <a:pPr indent="-342900" lvl="2" marL="342900" marR="0" rtl="0" algn="l">
+              <a:lnSpc>
+                <a:spcPct val="90000"/>
+              </a:lnSpc>
+              <a:spcBef>
+                <a:spcPts val="500"/>
+              </a:spcBef>
+              <a:spcAft>
+                <a:spcPts val="0"/>
+              </a:spcAft>
+              <a:buClr>
+                <a:schemeClr val="dk1"/>
+              </a:buClr>
+              <a:buSzPct val="100000"/>
+              <a:buFont typeface="Arial"/>
+              <a:buChar char="•"/>
+            </a:pPr>
+            <a:r>
+              <a:rPr b="0" i="0" lang="en-US" sz="2000" u="none" cap="none" strike="noStrike">
+                <a:solidFill>
+                  <a:schemeClr val="dk1"/>
+                </a:solidFill>
+                <a:latin typeface="Calibri"/>
+                <a:ea typeface="Calibri"/>
+                <a:cs typeface="Calibri"/>
+                <a:sym typeface="Calibri"/>
+              </a:rPr>
+              <a:t>Automatically track data dependency</a:t>
+            </a:r>
+          </a:p>
+          <a:p>
+            <a:pPr indent="-342900" lvl="2" marL="342900" marR="0" rtl="0" algn="l">
+              <a:lnSpc>
+                <a:spcPct val="90000"/>
+              </a:lnSpc>
+              <a:spcBef>
+                <a:spcPts val="500"/>
+              </a:spcBef>
+              <a:spcAft>
+                <a:spcPts val="0"/>
+              </a:spcAft>
+              <a:buClr>
+                <a:schemeClr val="dk1"/>
+              </a:buClr>
+              <a:buSzPct val="100000"/>
+              <a:buFont typeface="Arial"/>
+              <a:buChar char="•"/>
+            </a:pPr>
+            <a:r>
+              <a:rPr b="0" i="0" lang="en-US" sz="2000" u="none" cap="none" strike="noStrike">
+                <a:solidFill>
+                  <a:schemeClr val="dk1"/>
+                </a:solidFill>
+                <a:latin typeface="Calibri"/>
+                <a:ea typeface="Calibri"/>
+                <a:cs typeface="Calibri"/>
+                <a:sym typeface="Calibri"/>
+              </a:rPr>
+              <a:t>Automatic clean up, reschedule,  and </a:t>
+            </a:r>
+            <a:br>
+              <a:rPr b="0" i="0" lang="en-US" sz="2000" u="none" cap="none" strike="noStrike">
+                <a:solidFill>
+                  <a:schemeClr val="dk1"/>
+                </a:solidFill>
+                <a:latin typeface="Calibri"/>
+                <a:ea typeface="Calibri"/>
+                <a:cs typeface="Calibri"/>
+                <a:sym typeface="Calibri"/>
+              </a:rPr>
+            </a:br>
+            <a:r>
+              <a:rPr b="0" i="0" lang="en-US" sz="2000" u="none" cap="none" strike="noStrike">
+                <a:solidFill>
+                  <a:schemeClr val="dk1"/>
+                </a:solidFill>
+                <a:latin typeface="Calibri"/>
+                <a:ea typeface="Calibri"/>
+                <a:cs typeface="Calibri"/>
+                <a:sym typeface="Calibri"/>
+              </a:rPr>
+              <a:t>re-execute after dependent data changes (achieve intent)</a:t>
+            </a:r>
+          </a:p>
+        </p:txBody>
+      </p:sp>
+      <p:sp>
+        <p:nvSpPr>
+          <p:cNvPr id="224" name="Shape 224"/>
+          <p:cNvSpPr/>
+          <p:nvPr/>
+        </p:nvSpPr>
+        <p:spPr>
+          <a:xfrm>
+            <a:off x="2794658" y="1968149"/>
+            <a:ext cx="751114" cy="588905"/>
+          </a:xfrm>
+          <a:prstGeom prst="flowChartDocument">
+            <a:avLst/>
+          </a:prstGeom>
+          <a:gradFill>
+            <a:gsLst>
+              <a:gs pos="0">
+                <a:srgbClr val="FFFFFF"/>
+              </a:gs>
+              <a:gs pos="35000">
+                <a:srgbClr val="FFFFFF"/>
+              </a:gs>
+              <a:gs pos="100000">
+                <a:srgbClr val="4472C3"/>
+              </a:gs>
+            </a:gsLst>
+            <a:path path="circle">
+              <a:fillToRect b="50%" l="50%" r="50%" t="50%"/>
+            </a:path>
+            <a:tileRect/>
+          </a:gradFill>
+          <a:ln cap="flat" cmpd="sng" w="9525">
+            <a:solidFill>
+              <a:schemeClr val="accent1"/>
+            </a:solidFill>
+            <a:prstDash val="solid"/>
+            <a:miter/>
+            <a:headEnd len="med" w="med" type="none"/>
+            <a:tailEnd len="med" w="med" type="none"/>
+          </a:ln>
+        </p:spPr>
+        <p:txBody>
+          <a:bodyPr anchorCtr="0" anchor="ctr" bIns="45700" lIns="91425" rIns="91425" tIns="45700">
+            <a:noAutofit/>
+          </a:bodyPr>
+          <a:lstStyle/>
+          <a:p>
+            <a:pPr indent="0" lvl="0" marL="0" marR="0" rtl="0" algn="ctr">
+              <a:spcBef>
+                <a:spcPts val="0"/>
+              </a:spcBef>
+              <a:spcAft>
+                <a:spcPts val="0"/>
+              </a:spcAft>
+              <a:buSzPct val="25000"/>
+              <a:buNone/>
+            </a:pPr>
+            <a:r>
+              <a:rPr b="0" i="0" lang="en-US" sz="1200" u="none" cap="none" strike="noStrike">
+                <a:solidFill>
+                  <a:srgbClr val="C00000"/>
+                </a:solidFill>
+                <a:latin typeface="Arial"/>
+                <a:ea typeface="Arial"/>
+                <a:cs typeface="Arial"/>
+                <a:sym typeface="Arial"/>
+              </a:rPr>
+              <a:t>function</a:t>
+            </a:r>
+            <a:br>
+              <a:rPr b="0" i="0" lang="en-US" sz="1200" u="none" cap="none" strike="noStrike">
+                <a:solidFill>
+                  <a:srgbClr val="C00000"/>
+                </a:solidFill>
+                <a:latin typeface="Arial"/>
+                <a:ea typeface="Arial"/>
+                <a:cs typeface="Arial"/>
+                <a:sym typeface="Arial"/>
+              </a:rPr>
+            </a:br>
+            <a:r>
+              <a:rPr b="0" i="0" lang="en-US" sz="1200" u="none" cap="none" strike="noStrike">
+                <a:solidFill>
+                  <a:srgbClr val="C00000"/>
+                </a:solidFill>
+                <a:latin typeface="Arial"/>
+                <a:ea typeface="Arial"/>
+                <a:cs typeface="Arial"/>
+                <a:sym typeface="Arial"/>
+              </a:rPr>
+              <a:t>instance</a:t>
+            </a:r>
+          </a:p>
+        </p:txBody>
+      </p:sp>
+      <p:sp>
+        <p:nvSpPr>
+          <p:cNvPr id="225" name="Shape 225"/>
+          <p:cNvSpPr/>
+          <p:nvPr/>
+        </p:nvSpPr>
+        <p:spPr>
+          <a:xfrm>
+            <a:off x="3839683" y="1968149"/>
+            <a:ext cx="751114" cy="588905"/>
+          </a:xfrm>
+          <a:prstGeom prst="flowChartDocument">
+            <a:avLst/>
+          </a:prstGeom>
+          <a:gradFill>
+            <a:gsLst>
+              <a:gs pos="0">
+                <a:srgbClr val="FFFFFF"/>
+              </a:gs>
+              <a:gs pos="35000">
+                <a:srgbClr val="FFFFFF"/>
+              </a:gs>
+              <a:gs pos="100000">
+                <a:schemeClr val="accent6"/>
+              </a:gs>
+            </a:gsLst>
+            <a:path path="circle">
+              <a:fillToRect b="50%" l="50%" r="50%" t="50%"/>
+            </a:path>
+            <a:tileRect/>
+          </a:gradFill>
+          <a:ln cap="flat" cmpd="sng" w="9525">
+            <a:solidFill>
+              <a:schemeClr val="accent1"/>
+            </a:solidFill>
+            <a:prstDash val="solid"/>
+            <a:miter/>
+            <a:headEnd len="med" w="med" type="none"/>
+            <a:tailEnd len="med" w="med" type="none"/>
+          </a:ln>
+        </p:spPr>
+        <p:txBody>
+          <a:bodyPr anchorCtr="0" anchor="ctr" bIns="45700" lIns="91425" rIns="91425" tIns="45700">
+            <a:noAutofit/>
+          </a:bodyPr>
+          <a:lstStyle/>
+          <a:p>
+            <a:pPr indent="0" lvl="0" marL="0" marR="0" rtl="0" algn="ctr">
+              <a:spcBef>
+                <a:spcPts val="0"/>
+              </a:spcBef>
+              <a:spcAft>
+                <a:spcPts val="0"/>
+              </a:spcAft>
+              <a:buSzPct val="25000"/>
+              <a:buNone/>
+            </a:pPr>
+            <a:r>
+              <a:rPr b="0" i="0" lang="en-US" sz="1200" u="none" cap="none" strike="noStrike">
+                <a:solidFill>
+                  <a:srgbClr val="C00000"/>
+                </a:solidFill>
+                <a:latin typeface="Arial"/>
+                <a:ea typeface="Arial"/>
+                <a:cs typeface="Arial"/>
+                <a:sym typeface="Arial"/>
+              </a:rPr>
+              <a:t>function</a:t>
+            </a:r>
+            <a:br>
+              <a:rPr b="0" i="0" lang="en-US" sz="1200" u="none" cap="none" strike="noStrike">
+                <a:solidFill>
+                  <a:srgbClr val="C00000"/>
+                </a:solidFill>
+                <a:latin typeface="Arial"/>
+                <a:ea typeface="Arial"/>
+                <a:cs typeface="Arial"/>
+                <a:sym typeface="Arial"/>
+              </a:rPr>
+            </a:br>
+            <a:r>
+              <a:rPr b="0" i="0" lang="en-US" sz="1200" u="none" cap="none" strike="noStrike">
+                <a:solidFill>
+                  <a:srgbClr val="C00000"/>
+                </a:solidFill>
+                <a:latin typeface="Arial"/>
+                <a:ea typeface="Arial"/>
+                <a:cs typeface="Arial"/>
+                <a:sym typeface="Arial"/>
+              </a:rPr>
+              <a:t>instance</a:t>
+            </a:r>
+          </a:p>
+        </p:txBody>
+      </p:sp>
+    </p:spTree>
+  </p:cSld>
+  <p:clrMapOvr>
+    <a:masterClrMapping/>
+  </p:clrMapOvr>
+</p:sld>
+</file>
+
+<file path=ppt/slides/slide11.xml><?xml version="1.0" encoding="utf-8"?>
+<p:sld xmlns:a="http://schemas.openxmlformats.org/drawingml/2006/main" xmlns:r="http://schemas.openxmlformats.org/officeDocument/2006/relationships" xmlns:mc="http://schemas.openxmlformats.org/markup-compatibility/2006" xmlns:mv="urn:schemas-microsoft-com:mac:vml" xmlns:p="http://schemas.openxmlformats.org/presentationml/2006/main" xmlns:c="http://schemas.openxmlformats.org/drawingml/2006/chart" xmlns:dgm="http://schemas.openxmlformats.org/drawingml/2006/diagram" xmlns:o="urn:schemas-microsoft-com:office:office" xmlns:v="urn:schemas-microsoft-com:vml" xmlns:pvml="urn:schemas-microsoft-com:office:powerpoint" xmlns:com="http://schemas.openxmlformats.org/drawingml/2006/compatibility" xmlns:p14="http://schemas.microsoft.com/office/powerpoint/2010/main">
+  <p:cSld>
+    <p:spTree>
+      <p:nvGrpSpPr>
+        <p:cNvPr id="229" name="Shape 229"/>
+        <p:cNvGrpSpPr/>
+        <p:nvPr/>
+      </p:nvGrpSpPr>
+      <p:grpSpPr>
+        <a:xfrm>
+          <a:off x="0" y="0"/>
+          <a:ext cx="0" cy="0"/>
+          <a:chOff x="0" y="0"/>
+          <a:chExt cx="0" cy="0"/>
+        </a:xfrm>
+      </p:grpSpPr>
+      <p:sp>
+        <p:nvSpPr>
+          <p:cNvPr id="230" name="Shape 230"/>
           <p:cNvSpPr/>
           <p:nvPr/>
         </p:nvSpPr>
@@ -14722,7 +16201,7 @@
       </p:sp>
       <p:sp>
         <p:nvSpPr>
-          <p:cNvPr id="218" name="Shape 218"/>
+          <p:cNvPr id="231" name="Shape 231"/>
           <p:cNvSpPr txBox="1"/>
           <p:nvPr/>
         </p:nvSpPr>
@@ -14779,7 +16258,7 @@
       </p:sp>
       <p:sp>
         <p:nvSpPr>
-          <p:cNvPr id="219" name="Shape 219"/>
+          <p:cNvPr id="232" name="Shape 232"/>
           <p:cNvSpPr/>
           <p:nvPr/>
         </p:nvSpPr>
@@ -14846,7 +16325,7 @@
       </p:sp>
       <p:cxnSp>
         <p:nvCxnSpPr>
-          <p:cNvPr id="220" name="Shape 220"/>
+          <p:cNvPr id="233" name="Shape 233"/>
           <p:cNvCxnSpPr/>
           <p:nvPr/>
         </p:nvCxnSpPr>
@@ -14872,7 +16351,7 @@
       </p:cxnSp>
       <p:sp>
         <p:nvSpPr>
-          <p:cNvPr id="221" name="Shape 221"/>
+          <p:cNvPr id="234" name="Shape 234"/>
           <p:cNvSpPr/>
           <p:nvPr/>
         </p:nvSpPr>
@@ -14939,7 +16418,7 @@
       </p:sp>
       <p:grpSp>
         <p:nvGrpSpPr>
-          <p:cNvPr id="222" name="Shape 222"/>
+          <p:cNvPr id="235" name="Shape 235"/>
           <p:cNvGrpSpPr/>
           <p:nvPr/>
         </p:nvGrpSpPr>
@@ -14953,7 +16432,7 @@
         </p:grpSpPr>
         <p:grpSp>
           <p:nvGrpSpPr>
-            <p:cNvPr id="223" name="Shape 223"/>
+            <p:cNvPr id="236" name="Shape 236"/>
             <p:cNvGrpSpPr/>
             <p:nvPr/>
           </p:nvGrpSpPr>
@@ -14967,7 +16446,7 @@
           </p:grpSpPr>
           <p:sp>
             <p:nvSpPr>
-              <p:cNvPr id="224" name="Shape 224"/>
+              <p:cNvPr id="237" name="Shape 237"/>
               <p:cNvSpPr/>
               <p:nvPr/>
             </p:nvSpPr>
@@ -15024,7 +16503,7 @@
           </p:sp>
           <p:sp>
             <p:nvSpPr>
-              <p:cNvPr id="225" name="Shape 225"/>
+              <p:cNvPr id="238" name="Shape 238"/>
               <p:cNvSpPr/>
               <p:nvPr/>
             </p:nvSpPr>
@@ -15082,7 +16561,7 @@
           </p:sp>
           <p:sp>
             <p:nvSpPr>
-              <p:cNvPr id="226" name="Shape 226"/>
+              <p:cNvPr id="239" name="Shape 239"/>
               <p:cNvSpPr txBox="1"/>
               <p:nvPr/>
             </p:nvSpPr>
@@ -15140,7 +16619,7 @@
         </p:grpSp>
         <p:sp>
           <p:nvSpPr>
-            <p:cNvPr id="227" name="Shape 227"/>
+            <p:cNvPr id="240" name="Shape 240"/>
             <p:cNvSpPr/>
             <p:nvPr/>
           </p:nvSpPr>
@@ -15198,7 +16677,7 @@
         </p:sp>
         <p:sp>
           <p:nvSpPr>
-            <p:cNvPr id="228" name="Shape 228"/>
+            <p:cNvPr id="241" name="Shape 241"/>
             <p:cNvSpPr/>
             <p:nvPr/>
           </p:nvSpPr>
@@ -15257,7 +16736,7 @@
       </p:grpSp>
       <p:grpSp>
         <p:nvGrpSpPr>
-          <p:cNvPr id="229" name="Shape 229"/>
+          <p:cNvPr id="242" name="Shape 242"/>
           <p:cNvGrpSpPr/>
           <p:nvPr/>
         </p:nvGrpSpPr>
@@ -15271,7 +16750,7 @@
         </p:grpSpPr>
         <p:sp>
           <p:nvSpPr>
-            <p:cNvPr id="230" name="Shape 230"/>
+            <p:cNvPr id="243" name="Shape 243"/>
             <p:cNvSpPr/>
             <p:nvPr/>
           </p:nvSpPr>
@@ -15328,7 +16807,7 @@
         </p:sp>
         <p:sp>
           <p:nvSpPr>
-            <p:cNvPr id="231" name="Shape 231"/>
+            <p:cNvPr id="244" name="Shape 244"/>
             <p:cNvSpPr/>
             <p:nvPr/>
           </p:nvSpPr>
@@ -15385,7 +16864,7 @@
         </p:sp>
         <p:sp>
           <p:nvSpPr>
-            <p:cNvPr id="232" name="Shape 232"/>
+            <p:cNvPr id="245" name="Shape 245"/>
             <p:cNvSpPr/>
             <p:nvPr/>
           </p:nvSpPr>
@@ -15442,7 +16921,7 @@
         </p:sp>
         <p:sp>
           <p:nvSpPr>
-            <p:cNvPr id="233" name="Shape 233"/>
+            <p:cNvPr id="246" name="Shape 246"/>
             <p:cNvSpPr/>
             <p:nvPr/>
           </p:nvSpPr>
@@ -15499,7 +16978,7 @@
         </p:sp>
         <p:sp>
           <p:nvSpPr>
-            <p:cNvPr id="234" name="Shape 234"/>
+            <p:cNvPr id="247" name="Shape 247"/>
             <p:cNvSpPr/>
             <p:nvPr/>
           </p:nvSpPr>
@@ -15556,10 +17035,10 @@
         </p:sp>
         <p:cxnSp>
           <p:nvCxnSpPr>
-            <p:cNvPr id="235" name="Shape 235"/>
+            <p:cNvPr id="248" name="Shape 248"/>
             <p:cNvCxnSpPr>
-              <a:stCxn id="231" idx="3"/>
-              <a:endCxn id="232" idx="1"/>
+              <a:stCxn id="244" idx="3"/>
+              <a:endCxn id="245" idx="1"/>
             </p:cNvCxnSpPr>
             <p:nvPr/>
           </p:nvCxnSpPr>
@@ -15585,9 +17064,9 @@
         </p:cxnSp>
         <p:cxnSp>
           <p:nvCxnSpPr>
-            <p:cNvPr id="236" name="Shape 236"/>
+            <p:cNvPr id="249" name="Shape 249"/>
             <p:cNvCxnSpPr>
-              <a:endCxn id="233" idx="1"/>
+              <a:endCxn id="246" idx="1"/>
             </p:cNvCxnSpPr>
             <p:nvPr/>
           </p:nvCxnSpPr>
@@ -15613,10 +17092,10 @@
         </p:cxnSp>
         <p:cxnSp>
           <p:nvCxnSpPr>
-            <p:cNvPr id="237" name="Shape 237"/>
+            <p:cNvPr id="250" name="Shape 250"/>
             <p:cNvCxnSpPr>
-              <a:stCxn id="234" idx="1"/>
-              <a:endCxn id="232" idx="3"/>
+              <a:stCxn id="247" idx="1"/>
+              <a:endCxn id="245" idx="3"/>
             </p:cNvCxnSpPr>
             <p:nvPr/>
           </p:nvCxnSpPr>
@@ -15642,7 +17121,7 @@
         </p:cxnSp>
         <p:sp>
           <p:nvSpPr>
-            <p:cNvPr id="238" name="Shape 238"/>
+            <p:cNvPr id="251" name="Shape 251"/>
             <p:cNvSpPr txBox="1"/>
             <p:nvPr/>
           </p:nvSpPr>
@@ -15729,9 +17208,9 @@
         </p:sp>
         <p:cxnSp>
           <p:nvCxnSpPr>
-            <p:cNvPr id="239" name="Shape 239"/>
+            <p:cNvPr id="252" name="Shape 252"/>
             <p:cNvCxnSpPr>
-              <a:stCxn id="239" idx="3"/>
+              <a:stCxn id="252" idx="3"/>
             </p:cNvCxnSpPr>
             <p:nvPr/>
           </p:nvCxnSpPr>
@@ -15758,7 +17237,7 @@
       </p:grpSp>
       <p:sp>
         <p:nvSpPr>
-          <p:cNvPr id="240" name="Shape 240"/>
+          <p:cNvPr id="253" name="Shape 253"/>
           <p:cNvSpPr/>
           <p:nvPr/>
         </p:nvSpPr>
@@ -15876,7 +17355,7 @@
       </p:sp>
       <p:sp>
         <p:nvSpPr>
-          <p:cNvPr id="241" name="Shape 241"/>
+          <p:cNvPr id="254" name="Shape 254"/>
           <p:cNvSpPr/>
           <p:nvPr/>
         </p:nvSpPr>
@@ -15931,7 +17410,7 @@
       </p:sp>
       <p:grpSp>
         <p:nvGrpSpPr>
-          <p:cNvPr id="242" name="Shape 242"/>
+          <p:cNvPr id="255" name="Shape 255"/>
           <p:cNvGrpSpPr/>
           <p:nvPr/>
         </p:nvGrpSpPr>
@@ -15945,7 +17424,7 @@
         </p:grpSpPr>
         <p:cxnSp>
           <p:nvCxnSpPr>
-            <p:cNvPr id="243" name="Shape 243"/>
+            <p:cNvPr id="256" name="Shape 256"/>
             <p:cNvCxnSpPr/>
             <p:nvPr/>
           </p:nvCxnSpPr>
@@ -15971,7 +17450,7 @@
         </p:cxnSp>
         <p:cxnSp>
           <p:nvCxnSpPr>
-            <p:cNvPr id="244" name="Shape 244"/>
+            <p:cNvPr id="257" name="Shape 257"/>
             <p:cNvCxnSpPr/>
             <p:nvPr/>
           </p:nvCxnSpPr>
@@ -15997,7 +17476,7 @@
         </p:cxnSp>
         <p:sp>
           <p:nvSpPr>
-            <p:cNvPr id="245" name="Shape 245"/>
+            <p:cNvPr id="258" name="Shape 258"/>
             <p:cNvSpPr/>
             <p:nvPr/>
           </p:nvSpPr>
@@ -16054,7 +17533,7 @@
         </p:sp>
         <p:sp>
           <p:nvSpPr>
-            <p:cNvPr id="246" name="Shape 246"/>
+            <p:cNvPr id="259" name="Shape 259"/>
             <p:cNvSpPr/>
             <p:nvPr/>
           </p:nvSpPr>
@@ -16111,7 +17590,7 @@
         </p:sp>
         <p:sp>
           <p:nvSpPr>
-            <p:cNvPr id="247" name="Shape 247"/>
+            <p:cNvPr id="260" name="Shape 260"/>
             <p:cNvSpPr/>
             <p:nvPr/>
           </p:nvSpPr>
@@ -16168,7 +17647,7 @@
         </p:sp>
         <p:cxnSp>
           <p:nvCxnSpPr>
-            <p:cNvPr id="248" name="Shape 248"/>
+            <p:cNvPr id="261" name="Shape 261"/>
             <p:cNvCxnSpPr/>
             <p:nvPr/>
           </p:nvCxnSpPr>
@@ -16194,7 +17673,7 @@
         </p:cxnSp>
         <p:cxnSp>
           <p:nvCxnSpPr>
-            <p:cNvPr id="249" name="Shape 249"/>
+            <p:cNvPr id="262" name="Shape 262"/>
             <p:cNvCxnSpPr/>
             <p:nvPr/>
           </p:nvCxnSpPr>
@@ -16220,7 +17699,7 @@
         </p:cxnSp>
         <p:cxnSp>
           <p:nvCxnSpPr>
-            <p:cNvPr id="250" name="Shape 250"/>
+            <p:cNvPr id="263" name="Shape 263"/>
             <p:cNvCxnSpPr/>
             <p:nvPr/>
           </p:nvCxnSpPr>
@@ -16247,7 +17726,7 @@
       </p:grpSp>
       <p:sp>
         <p:nvSpPr>
-          <p:cNvPr id="251" name="Shape 251"/>
+          <p:cNvPr id="264" name="Shape 264"/>
           <p:cNvSpPr/>
           <p:nvPr/>
         </p:nvSpPr>
@@ -16307,7 +17786,7 @@
       </p:sp>
       <p:sp>
         <p:nvSpPr>
-          <p:cNvPr id="252" name="Shape 252"/>
+          <p:cNvPr id="265" name="Shape 265"/>
           <p:cNvSpPr txBox="1"/>
           <p:nvPr/>
         </p:nvSpPr>
@@ -16417,7 +17896,7 @@
       </p:sp>
       <p:sp>
         <p:nvSpPr>
-          <p:cNvPr id="253" name="Shape 253"/>
+          <p:cNvPr id="266" name="Shape 266"/>
           <p:cNvSpPr/>
           <p:nvPr/>
         </p:nvSpPr>
@@ -16472,7 +17951,7 @@
       </p:sp>
       <p:sp>
         <p:nvSpPr>
-          <p:cNvPr id="254" name="Shape 254"/>
+          <p:cNvPr id="267" name="Shape 267"/>
           <p:cNvSpPr/>
           <p:nvPr/>
         </p:nvSpPr>
@@ -16532,7 +18011,7 @@
       </p:sp>
       <p:sp>
         <p:nvSpPr>
-          <p:cNvPr id="255" name="Shape 255"/>
+          <p:cNvPr id="268" name="Shape 268"/>
           <p:cNvSpPr/>
           <p:nvPr/>
         </p:nvSpPr>
@@ -16588,12 +18067,12 @@
 </p:sld>
 </file>
 
-<file path=ppt/slides/slide11.xml><?xml version="1.0" encoding="utf-8"?>
+<file path=ppt/slides/slide12.xml><?xml version="1.0" encoding="utf-8"?>
 <p:sld xmlns:a="http://schemas.openxmlformats.org/drawingml/2006/main" xmlns:r="http://schemas.openxmlformats.org/officeDocument/2006/relationships" xmlns:mc="http://schemas.openxmlformats.org/markup-compatibility/2006" xmlns:mv="urn:schemas-microsoft-com:mac:vml" xmlns:p="http://schemas.openxmlformats.org/presentationml/2006/main" xmlns:c="http://schemas.openxmlformats.org/drawingml/2006/chart" xmlns:dgm="http://schemas.openxmlformats.org/drawingml/2006/diagram" xmlns:o="urn:schemas-microsoft-com:office:office" xmlns:v="urn:schemas-microsoft-com:vml" xmlns:pvml="urn:schemas-microsoft-com:office:powerpoint" xmlns:com="http://schemas.openxmlformats.org/drawingml/2006/compatibility" xmlns:p14="http://schemas.microsoft.com/office/powerpoint/2010/main">
   <p:cSld>
     <p:spTree>
       <p:nvGrpSpPr>
-        <p:cNvPr id="259" name="Shape 259"/>
+        <p:cNvPr id="272" name="Shape 272"/>
         <p:cNvGrpSpPr/>
         <p:nvPr/>
       </p:nvGrpSpPr>
@@ -16607,7 +18086,7 @@
       </p:grpSpPr>
       <p:sp>
         <p:nvSpPr>
-          <p:cNvPr id="260" name="Shape 260"/>
+          <p:cNvPr id="273" name="Shape 273"/>
           <p:cNvSpPr txBox="1"/>
           <p:nvPr>
             <p:ph type="title"/>
@@ -16662,7 +18141,7 @@
       </p:sp>
       <p:sp>
         <p:nvSpPr>
-          <p:cNvPr id="261" name="Shape 261"/>
+          <p:cNvPr id="274" name="Shape 274"/>
           <p:cNvSpPr txBox="1"/>
           <p:nvPr>
             <p:ph idx="1" type="body"/>
@@ -16783,7 +18262,7 @@
       </p:sp>
       <p:sp>
         <p:nvSpPr>
-          <p:cNvPr id="262" name="Shape 262"/>
+          <p:cNvPr id="275" name="Shape 275"/>
           <p:cNvSpPr/>
           <p:nvPr/>
         </p:nvSpPr>
@@ -16847,7 +18326,7 @@
       </p:sp>
       <p:sp>
         <p:nvSpPr>
-          <p:cNvPr id="263" name="Shape 263"/>
+          <p:cNvPr id="276" name="Shape 276"/>
           <p:cNvSpPr/>
           <p:nvPr/>
         </p:nvSpPr>
@@ -16937,7 +18416,7 @@
       </p:sp>
       <p:sp>
         <p:nvSpPr>
-          <p:cNvPr id="264" name="Shape 264"/>
+          <p:cNvPr id="277" name="Shape 277"/>
           <p:cNvSpPr/>
           <p:nvPr/>
         </p:nvSpPr>
@@ -17027,7 +18506,7 @@
       </p:sp>
       <p:sp>
         <p:nvSpPr>
-          <p:cNvPr id="265" name="Shape 265"/>
+          <p:cNvPr id="278" name="Shape 278"/>
           <p:cNvSpPr/>
           <p:nvPr/>
         </p:nvSpPr>
@@ -17117,7 +18596,7 @@
       </p:sp>
       <p:sp>
         <p:nvSpPr>
-          <p:cNvPr id="266" name="Shape 266"/>
+          <p:cNvPr id="279" name="Shape 279"/>
           <p:cNvSpPr/>
           <p:nvPr/>
         </p:nvSpPr>
@@ -17179,7 +18658,7 @@
       </p:sp>
       <p:sp>
         <p:nvSpPr>
-          <p:cNvPr id="267" name="Shape 267"/>
+          <p:cNvPr id="280" name="Shape 280"/>
           <p:cNvSpPr/>
           <p:nvPr/>
         </p:nvSpPr>
@@ -17269,7 +18748,7 @@
       </p:sp>
       <p:grpSp>
         <p:nvGrpSpPr>
-          <p:cNvPr id="268" name="Shape 268"/>
+          <p:cNvPr id="281" name="Shape 281"/>
           <p:cNvGrpSpPr/>
           <p:nvPr/>
         </p:nvGrpSpPr>
@@ -17283,9 +18762,9 @@
         </p:grpSpPr>
         <p:cxnSp>
           <p:nvCxnSpPr>
-            <p:cNvPr id="269" name="Shape 269"/>
+            <p:cNvPr id="282" name="Shape 282"/>
             <p:cNvCxnSpPr>
-              <a:stCxn id="270" idx="0"/>
+              <a:stCxn id="283" idx="0"/>
             </p:cNvCxnSpPr>
             <p:nvPr/>
           </p:nvCxnSpPr>
@@ -17313,9 +18792,9 @@
         </p:cxnSp>
         <p:cxnSp>
           <p:nvCxnSpPr>
-            <p:cNvPr id="271" name="Shape 271"/>
+            <p:cNvPr id="284" name="Shape 284"/>
             <p:cNvCxnSpPr>
-              <a:stCxn id="272" idx="0"/>
+              <a:stCxn id="285" idx="0"/>
             </p:cNvCxnSpPr>
             <p:nvPr/>
           </p:nvCxnSpPr>
@@ -17344,7 +18823,7 @@
       </p:grpSp>
       <p:grpSp>
         <p:nvGrpSpPr>
-          <p:cNvPr id="273" name="Shape 273"/>
+          <p:cNvPr id="286" name="Shape 286"/>
           <p:cNvGrpSpPr/>
           <p:nvPr/>
         </p:nvGrpSpPr>
@@ -17358,7 +18837,7 @@
         </p:grpSpPr>
         <p:cxnSp>
           <p:nvCxnSpPr>
-            <p:cNvPr id="274" name="Shape 274"/>
+            <p:cNvPr id="287" name="Shape 287"/>
             <p:cNvCxnSpPr/>
             <p:nvPr/>
           </p:nvCxnSpPr>
@@ -17386,7 +18865,7 @@
         </p:cxnSp>
         <p:cxnSp>
           <p:nvCxnSpPr>
-            <p:cNvPr id="275" name="Shape 275"/>
+            <p:cNvPr id="288" name="Shape 288"/>
             <p:cNvCxnSpPr/>
             <p:nvPr/>
           </p:nvCxnSpPr>
@@ -17415,7 +18894,7 @@
       </p:grpSp>
       <p:pic>
         <p:nvPicPr>
-          <p:cNvPr id="276" name="Shape 276"/>
+          <p:cNvPr id="289" name="Shape 289"/>
           <p:cNvPicPr preferRelativeResize="0"/>
           <p:nvPr/>
         </p:nvPicPr>
@@ -17442,7 +18921,7 @@
       </p:pic>
       <p:pic>
         <p:nvPicPr>
-          <p:cNvPr id="277" name="Shape 277"/>
+          <p:cNvPr id="290" name="Shape 290"/>
           <p:cNvPicPr preferRelativeResize="0"/>
           <p:nvPr/>
         </p:nvPicPr>
@@ -17469,7 +18948,7 @@
       </p:pic>
       <p:sp>
         <p:nvSpPr>
-          <p:cNvPr id="278" name="Shape 278"/>
+          <p:cNvPr id="291" name="Shape 291"/>
           <p:cNvSpPr/>
           <p:nvPr/>
         </p:nvSpPr>
@@ -17559,7 +19038,7 @@
       </p:sp>
       <p:cxnSp>
         <p:nvCxnSpPr>
-          <p:cNvPr id="270" name="Shape 270"/>
+          <p:cNvPr id="283" name="Shape 283"/>
           <p:cNvCxnSpPr/>
           <p:nvPr/>
         </p:nvCxnSpPr>
@@ -17587,7 +19066,7 @@
       </p:cxnSp>
       <p:cxnSp>
         <p:nvCxnSpPr>
-          <p:cNvPr id="272" name="Shape 272"/>
+          <p:cNvPr id="285" name="Shape 285"/>
           <p:cNvCxnSpPr/>
           <p:nvPr/>
         </p:nvCxnSpPr>
@@ -17615,7 +19094,7 @@
       </p:cxnSp>
       <p:cxnSp>
         <p:nvCxnSpPr>
-          <p:cNvPr id="279" name="Shape 279"/>
+          <p:cNvPr id="292" name="Shape 292"/>
           <p:cNvCxnSpPr/>
           <p:nvPr/>
         </p:nvCxnSpPr>
@@ -21162,7 +22641,7 @@
         </p:nvSpPr>
         <p:spPr>
           <a:xfrm>
-            <a:off x="768549" y="236825"/>
+            <a:off x="849299" y="61325"/>
             <a:ext cx="10493400" cy="770100"/>
           </a:xfrm>
           <a:prstGeom prst="rect">
@@ -21193,7 +22672,7 @@
               <a:buNone/>
             </a:pPr>
             <a:r>
-              <a:rPr b="0" i="0" lang="en-US" sz="2800" u="none" cap="none" strike="noStrike">
+              <a:rPr b="1" i="0" lang="en-US" sz="3000" u="sng" cap="none" strike="noStrike">
                 <a:solidFill>
                   <a:schemeClr val="dk1"/>
                 </a:solidFill>
@@ -21960,8 +23439,8 @@
         </p:nvSpPr>
         <p:spPr>
           <a:xfrm>
-            <a:off x="6118975" y="2192850"/>
-            <a:ext cx="5586900" cy="770100"/>
+            <a:off x="6118975" y="2085000"/>
+            <a:ext cx="5976900" cy="985800"/>
           </a:xfrm>
           <a:prstGeom prst="rect">
             <a:avLst/>
@@ -21997,7 +23476,15 @@
             </a:pPr>
             <a:r>
               <a:rPr b="1" lang="en-US" sz="1800"/>
-              <a:t>    IDE deploys MapleApp and Bro programs</a:t>
+              <a:t>    IDE deploys programs </a:t>
+            </a:r>
+            <a:r>
+              <a:rPr b="1" lang="en-US" sz="1800">
+                <a:solidFill>
+                  <a:srgbClr val="FF0000"/>
+                </a:solidFill>
+              </a:rPr>
+              <a:t>one click away</a:t>
             </a:r>
           </a:p>
         </p:txBody>
@@ -22010,7 +23497,7 @@
         </p:nvSpPr>
         <p:spPr>
           <a:xfrm>
-            <a:off x="6118975" y="3178750"/>
+            <a:off x="6118975" y="3116312"/>
             <a:ext cx="4892400" cy="770100"/>
           </a:xfrm>
           <a:prstGeom prst="rect">
@@ -22174,7 +23661,19 @@
             </a:pPr>
             <a:r>
               <a:rPr b="1" lang="en-US" sz="1800"/>
-              <a:t>    Client1 sends a request for a txt file at the Server</a:t>
+              <a:t>    Client1 sends a request for a </a:t>
+            </a:r>
+            <a:r>
+              <a:rPr b="1" lang="en-US" sz="1800">
+                <a:solidFill>
+                  <a:srgbClr val="FF0000"/>
+                </a:solidFill>
+              </a:rPr>
+              <a:t>txt</a:t>
+            </a:r>
+            <a:r>
+              <a:rPr b="1" lang="en-US" sz="1800"/>
+              <a:t> file at the Server</a:t>
             </a:r>
           </a:p>
         </p:txBody>
@@ -22224,7 +23723,19 @@
             </a:pPr>
             <a:r>
               <a:rPr b="1" lang="en-US" sz="1800"/>
-              <a:t>    Client2 sends a request for an mp4 file at the Server</a:t>
+              <a:t>    Client2 sends a request for an </a:t>
+            </a:r>
+            <a:r>
+              <a:rPr b="1" lang="en-US" sz="1800">
+                <a:solidFill>
+                  <a:srgbClr val="FF0000"/>
+                </a:solidFill>
+              </a:rPr>
+              <a:t>mp4</a:t>
+            </a:r>
+            <a:r>
+              <a:rPr b="1" lang="en-US" sz="1800"/>
+              <a:t> file at the Server</a:t>
             </a:r>
           </a:p>
         </p:txBody>
@@ -22613,6 +24124,106 @@
           </a:ln>
         </p:spPr>
       </p:pic>
+      <p:sp>
+        <p:nvSpPr>
+          <p:cNvPr id="184" name="Shape 184"/>
+          <p:cNvSpPr txBox="1"/>
+          <p:nvPr/>
+        </p:nvSpPr>
+        <p:spPr>
+          <a:xfrm>
+            <a:off x="6048000" y="5749150"/>
+            <a:ext cx="4131000" cy="912000"/>
+          </a:xfrm>
+          <a:prstGeom prst="rect">
+            <a:avLst/>
+          </a:prstGeom>
+          <a:noFill/>
+          <a:ln>
+            <a:noFill/>
+          </a:ln>
+        </p:spPr>
+        <p:txBody>
+          <a:bodyPr anchorCtr="0" anchor="t" bIns="91425" lIns="91425" rIns="91425" tIns="91425">
+            <a:noAutofit/>
+          </a:bodyPr>
+          <a:lstStyle/>
+          <a:p>
+            <a:pPr lvl="0">
+              <a:spcBef>
+                <a:spcPts val="0"/>
+              </a:spcBef>
+              <a:buNone/>
+            </a:pPr>
+            <a:r>
+              <a:rPr b="1" lang="en-US" sz="2400"/>
+              <a:t>Choose paths based on </a:t>
+            </a:r>
+            <a:r>
+              <a:rPr b="1" lang="en-US" sz="2400">
+                <a:solidFill>
+                  <a:srgbClr val="FF0000"/>
+                </a:solidFill>
+              </a:rPr>
+              <a:t>L7</a:t>
+            </a:r>
+            <a:r>
+              <a:rPr b="1" lang="en-US" sz="2400"/>
+              <a:t> information (file type)</a:t>
+            </a:r>
+          </a:p>
+        </p:txBody>
+      </p:sp>
+      <p:sp>
+        <p:nvSpPr>
+          <p:cNvPr id="185" name="Shape 185"/>
+          <p:cNvSpPr txBox="1"/>
+          <p:nvPr/>
+        </p:nvSpPr>
+        <p:spPr>
+          <a:xfrm>
+            <a:off x="1561375" y="596525"/>
+            <a:ext cx="2783100" cy="539700"/>
+          </a:xfrm>
+          <a:prstGeom prst="rect">
+            <a:avLst/>
+          </a:prstGeom>
+          <a:noFill/>
+          <a:ln>
+            <a:noFill/>
+          </a:ln>
+        </p:spPr>
+        <p:txBody>
+          <a:bodyPr anchorCtr="0" anchor="t" bIns="91425" lIns="91425" rIns="91425" tIns="91425">
+            <a:noAutofit/>
+          </a:bodyPr>
+          <a:lstStyle/>
+          <a:p>
+            <a:pPr lvl="0">
+              <a:spcBef>
+                <a:spcPts val="0"/>
+              </a:spcBef>
+              <a:buNone/>
+            </a:pPr>
+            <a:r>
+              <a:rPr lang="en-US"/>
+              <a:t>Update data store, </a:t>
+            </a:r>
+            <a:r>
+              <a:rPr lang="en-US">
+                <a:solidFill>
+                  <a:srgbClr val="FF0000"/>
+                </a:solidFill>
+              </a:rPr>
+              <a:t>FAST</a:t>
+            </a:r>
+            <a:r>
+              <a:rPr lang="en-US"/>
+              <a:t> re-executes the MapleApp.java</a:t>
+            </a:r>
+          </a:p>
+        </p:txBody>
+      </p:sp>
     </p:spTree>
   </p:cSld>
   <p:clrMapOvr>
@@ -23183,6 +24794,41 @@
                                   </p:childTnLst>
                                 </p:cTn>
                               </p:par>
+                              <p:par>
+                                <p:cTn fill="hold" nodeType="withEffect" presetClass="entr" presetID="10" presetSubtype="0">
+                                  <p:stCondLst>
+                                    <p:cond delay="0"/>
+                                  </p:stCondLst>
+                                  <p:childTnLst>
+                                    <p:set>
+                                      <p:cBhvr>
+                                        <p:cTn dur="1" fill="hold">
+                                          <p:stCondLst>
+                                            <p:cond delay="0"/>
+                                          </p:stCondLst>
+                                        </p:cTn>
+                                        <p:tgtEl>
+                                          <p:spTgt spid="185"/>
+                                        </p:tgtEl>
+                                        <p:attrNameLst>
+                                          <p:attrName>style.visibility</p:attrName>
+                                        </p:attrNameLst>
+                                      </p:cBhvr>
+                                      <p:to>
+                                        <p:strVal val="visible"/>
+                                      </p:to>
+                                    </p:set>
+                                    <p:animEffect filter="fade" transition="in">
+                                      <p:cBhvr>
+                                        <p:cTn dur="1000"/>
+                                        <p:tgtEl>
+                                          <p:spTgt spid="185"/>
+                                        </p:tgtEl>
+                                      </p:cBhvr>
+                                    </p:animEffect>
+                                  </p:childTnLst>
+                                </p:cTn>
+                              </p:par>
                             </p:childTnLst>
                           </p:cTn>
                         </p:par>
@@ -23550,6 +25196,59 @@
                       </p:childTnLst>
                     </p:cTn>
                   </p:par>
+                  <p:par>
+                    <p:cTn fill="hold">
+                      <p:stCondLst>
+                        <p:cond delay="indefinite"/>
+                      </p:stCondLst>
+                      <p:childTnLst>
+                        <p:par>
+                          <p:cTn fill="hold">
+                            <p:stCondLst>
+                              <p:cond delay="0"/>
+                            </p:stCondLst>
+                            <p:childTnLst>
+                              <p:par>
+                                <p:cTn fill="hold" nodeType="clickEffect" presetClass="entr" presetID="10" presetSubtype="0">
+                                  <p:stCondLst>
+                                    <p:cond delay="0"/>
+                                  </p:stCondLst>
+                                  <p:childTnLst>
+                                    <p:set>
+                                      <p:cBhvr>
+                                        <p:cTn dur="1" fill="hold">
+                                          <p:stCondLst>
+                                            <p:cond delay="0"/>
+                                          </p:stCondLst>
+                                        </p:cTn>
+                                        <p:tgtEl>
+                                          <p:spTgt spid="184"/>
+                                        </p:tgtEl>
+                                        <p:attrNameLst>
+                                          <p:attrName>style.visibility</p:attrName>
+                                        </p:attrNameLst>
+                                      </p:cBhvr>
+                                      <p:to>
+                                        <p:strVal val="visible"/>
+                                      </p:to>
+                                    </p:set>
+                                    <p:animEffect filter="fade" transition="in">
+                                      <p:cBhvr>
+                                        <p:cTn dur="1000"/>
+                                        <p:tgtEl>
+                                          <p:spTgt spid="184"/>
+                                        </p:tgtEl>
+                                      </p:cBhvr>
+                                    </p:animEffect>
+                                  </p:childTnLst>
+                                </p:cTn>
+                              </p:par>
+                            </p:childTnLst>
+                          </p:cTn>
+                        </p:par>
+                      </p:childTnLst>
+                    </p:cTn>
+                  </p:par>
                 </p:childTnLst>
               </p:cTn>
               <p:prevCondLst>
@@ -23580,7 +25279,7 @@
   <p:cSld>
     <p:spTree>
       <p:nvGrpSpPr>
-        <p:cNvPr id="187" name="Shape 187"/>
+        <p:cNvPr id="189" name="Shape 189"/>
         <p:cNvGrpSpPr/>
         <p:nvPr/>
       </p:nvGrpSpPr>
@@ -23594,7 +25293,378 @@
       </p:grpSpPr>
       <p:sp>
         <p:nvSpPr>
-          <p:cNvPr id="188" name="Shape 188"/>
+          <p:cNvPr id="190" name="Shape 190"/>
+          <p:cNvSpPr txBox="1"/>
+          <p:nvPr>
+            <p:ph type="title"/>
+          </p:nvPr>
+        </p:nvSpPr>
+        <p:spPr>
+          <a:xfrm>
+            <a:off x="152403" y="188190"/>
+            <a:ext cx="11959800" cy="689099"/>
+          </a:xfrm>
+          <a:prstGeom prst="rect">
+            <a:avLst/>
+          </a:prstGeom>
+          <a:noFill/>
+          <a:ln>
+            <a:noFill/>
+          </a:ln>
+        </p:spPr>
+        <p:txBody>
+          <a:bodyPr anchorCtr="0" anchor="ctr" bIns="45700" lIns="91425" rIns="91425" tIns="45700">
+            <a:noAutofit/>
+          </a:bodyPr>
+          <a:lstStyle/>
+          <a:p>
+            <a:pPr indent="0" lvl="0" marL="0" marR="0" rtl="0" algn="ctr">
+              <a:lnSpc>
+                <a:spcPct val="90000"/>
+              </a:lnSpc>
+              <a:spcBef>
+                <a:spcPts val="0"/>
+              </a:spcBef>
+              <a:spcAft>
+                <a:spcPts val="0"/>
+              </a:spcAft>
+              <a:buSzPct val="25000"/>
+              <a:buNone/>
+            </a:pPr>
+            <a:r>
+              <a:rPr b="1" lang="en-US" sz="3600" u="sng"/>
+              <a:t>Summary </a:t>
+            </a:r>
+          </a:p>
+        </p:txBody>
+      </p:sp>
+      <p:sp>
+        <p:nvSpPr>
+          <p:cNvPr id="191" name="Shape 191"/>
+          <p:cNvSpPr txBox="1"/>
+          <p:nvPr/>
+        </p:nvSpPr>
+        <p:spPr>
+          <a:xfrm>
+            <a:off x="1191300" y="1701200"/>
+            <a:ext cx="10418700" cy="917400"/>
+          </a:xfrm>
+          <a:prstGeom prst="rect">
+            <a:avLst/>
+          </a:prstGeom>
+          <a:noFill/>
+          <a:ln>
+            <a:noFill/>
+          </a:ln>
+        </p:spPr>
+        <p:txBody>
+          <a:bodyPr anchorCtr="0" anchor="t" bIns="91425" lIns="91425" rIns="91425" tIns="91425">
+            <a:noAutofit/>
+          </a:bodyPr>
+          <a:lstStyle/>
+          <a:p>
+            <a:pPr indent="-368300" lvl="0" marL="457200">
+              <a:spcBef>
+                <a:spcPts val="0"/>
+              </a:spcBef>
+              <a:buSzPct val="100000"/>
+              <a:buChar char="➔"/>
+            </a:pPr>
+            <a:r>
+              <a:rPr lang="en-US" sz="2200">
+                <a:solidFill>
+                  <a:srgbClr val="FF0000"/>
+                </a:solidFill>
+              </a:rPr>
+              <a:t> Web IDE</a:t>
+            </a:r>
+            <a:r>
+              <a:rPr lang="en-US" sz="2200"/>
+              <a:t> simplifies SDN programming, automatically deploying the programs, integrating different views (programs, topology, routes)</a:t>
+            </a:r>
+          </a:p>
+        </p:txBody>
+      </p:sp>
+      <p:sp>
+        <p:nvSpPr>
+          <p:cNvPr id="192" name="Shape 192"/>
+          <p:cNvSpPr txBox="1"/>
+          <p:nvPr/>
+        </p:nvSpPr>
+        <p:spPr>
+          <a:xfrm>
+            <a:off x="796500" y="1080000"/>
+            <a:ext cx="5089500" cy="418500"/>
+          </a:xfrm>
+          <a:prstGeom prst="rect">
+            <a:avLst/>
+          </a:prstGeom>
+          <a:noFill/>
+          <a:ln>
+            <a:noFill/>
+          </a:ln>
+        </p:spPr>
+        <p:txBody>
+          <a:bodyPr anchorCtr="0" anchor="t" bIns="91425" lIns="91425" rIns="91425" tIns="91425">
+            <a:noAutofit/>
+          </a:bodyPr>
+          <a:lstStyle/>
+          <a:p>
+            <a:pPr indent="-381000" lvl="0" marL="457200" rtl="0">
+              <a:spcBef>
+                <a:spcPts val="0"/>
+              </a:spcBef>
+              <a:buClr>
+                <a:schemeClr val="dk1"/>
+              </a:buClr>
+              <a:buSzPct val="100000"/>
+              <a:buChar char="●"/>
+            </a:pPr>
+            <a:r>
+              <a:rPr lang="en-US" sz="2400">
+                <a:solidFill>
+                  <a:schemeClr val="dk1"/>
+                </a:solidFill>
+              </a:rPr>
+              <a:t>Complex, manual programming</a:t>
+            </a:r>
+          </a:p>
+        </p:txBody>
+      </p:sp>
+      <p:sp>
+        <p:nvSpPr>
+          <p:cNvPr id="193" name="Shape 193"/>
+          <p:cNvSpPr txBox="1"/>
+          <p:nvPr/>
+        </p:nvSpPr>
+        <p:spPr>
+          <a:xfrm>
+            <a:off x="796500" y="2618600"/>
+            <a:ext cx="5855100" cy="418500"/>
+          </a:xfrm>
+          <a:prstGeom prst="rect">
+            <a:avLst/>
+          </a:prstGeom>
+          <a:noFill/>
+          <a:ln>
+            <a:noFill/>
+          </a:ln>
+        </p:spPr>
+        <p:txBody>
+          <a:bodyPr anchorCtr="0" anchor="t" bIns="91425" lIns="91425" rIns="91425" tIns="91425">
+            <a:noAutofit/>
+          </a:bodyPr>
+          <a:lstStyle/>
+          <a:p>
+            <a:pPr indent="-381000" lvl="0" marL="457200" rtl="0">
+              <a:spcBef>
+                <a:spcPts val="0"/>
+              </a:spcBef>
+              <a:buClr>
+                <a:schemeClr val="dk1"/>
+              </a:buClr>
+              <a:buSzPct val="100000"/>
+              <a:buChar char="●"/>
+            </a:pPr>
+            <a:r>
+              <a:rPr lang="en-US" sz="2400">
+                <a:solidFill>
+                  <a:schemeClr val="dk1"/>
+                </a:solidFill>
+              </a:rPr>
+              <a:t>Low level, limited programming model</a:t>
+            </a:r>
+          </a:p>
+        </p:txBody>
+      </p:sp>
+      <p:sp>
+        <p:nvSpPr>
+          <p:cNvPr id="194" name="Shape 194"/>
+          <p:cNvSpPr txBox="1"/>
+          <p:nvPr/>
+        </p:nvSpPr>
+        <p:spPr>
+          <a:xfrm>
+            <a:off x="796500" y="4071500"/>
+            <a:ext cx="8761500" cy="418500"/>
+          </a:xfrm>
+          <a:prstGeom prst="rect">
+            <a:avLst/>
+          </a:prstGeom>
+          <a:noFill/>
+          <a:ln>
+            <a:noFill/>
+          </a:ln>
+        </p:spPr>
+        <p:txBody>
+          <a:bodyPr anchorCtr="0" anchor="t" bIns="91425" lIns="91425" rIns="91425" tIns="91425">
+            <a:noAutofit/>
+          </a:bodyPr>
+          <a:lstStyle/>
+          <a:p>
+            <a:pPr indent="-381000" lvl="0" marL="457200" rtl="0">
+              <a:spcBef>
+                <a:spcPts val="0"/>
+              </a:spcBef>
+              <a:buClr>
+                <a:schemeClr val="dk1"/>
+              </a:buClr>
+              <a:buSzPct val="100000"/>
+              <a:buChar char="●"/>
+            </a:pPr>
+            <a:r>
+              <a:rPr lang="en-US" sz="2400">
+                <a:solidFill>
+                  <a:schemeClr val="dk1"/>
+                </a:solidFill>
+              </a:rPr>
+              <a:t>Complex data consistency management </a:t>
+            </a:r>
+          </a:p>
+        </p:txBody>
+      </p:sp>
+      <p:sp>
+        <p:nvSpPr>
+          <p:cNvPr id="195" name="Shape 195"/>
+          <p:cNvSpPr txBox="1"/>
+          <p:nvPr/>
+        </p:nvSpPr>
+        <p:spPr>
+          <a:xfrm>
+            <a:off x="1191300" y="3095600"/>
+            <a:ext cx="10418700" cy="917400"/>
+          </a:xfrm>
+          <a:prstGeom prst="rect">
+            <a:avLst/>
+          </a:prstGeom>
+          <a:noFill/>
+          <a:ln>
+            <a:noFill/>
+          </a:ln>
+        </p:spPr>
+        <p:txBody>
+          <a:bodyPr anchorCtr="0" anchor="t" bIns="91425" lIns="91425" rIns="91425" tIns="91425">
+            <a:noAutofit/>
+          </a:bodyPr>
+          <a:lstStyle/>
+          <a:p>
+            <a:pPr indent="-368300" lvl="0" marL="457200" rtl="0">
+              <a:spcBef>
+                <a:spcPts val="0"/>
+              </a:spcBef>
+              <a:buSzPct val="100000"/>
+              <a:buChar char="➔"/>
+            </a:pPr>
+            <a:r>
+              <a:rPr lang="en-US" sz="2200">
+                <a:solidFill>
+                  <a:srgbClr val="FF0000"/>
+                </a:solidFill>
+              </a:rPr>
+              <a:t>Maple </a:t>
+            </a:r>
+            <a:r>
+              <a:rPr lang="en-US" sz="2200"/>
+              <a:t>provides high-level, </a:t>
+            </a:r>
+            <a:r>
+              <a:rPr lang="en-US" sz="2200">
+                <a:solidFill>
+                  <a:schemeClr val="dk1"/>
+                </a:solidFill>
+              </a:rPr>
+              <a:t>per-packet, </a:t>
+            </a:r>
+            <a:r>
+              <a:rPr lang="en-US" sz="2200"/>
+              <a:t>south-bound agnostic, cross-layer (L2-L7) programming</a:t>
+            </a:r>
+          </a:p>
+        </p:txBody>
+      </p:sp>
+      <p:sp>
+        <p:nvSpPr>
+          <p:cNvPr id="196" name="Shape 196"/>
+          <p:cNvSpPr txBox="1"/>
+          <p:nvPr/>
+        </p:nvSpPr>
+        <p:spPr>
+          <a:xfrm>
+            <a:off x="1191300" y="4548500"/>
+            <a:ext cx="10418700" cy="917400"/>
+          </a:xfrm>
+          <a:prstGeom prst="rect">
+            <a:avLst/>
+          </a:prstGeom>
+          <a:noFill/>
+          <a:ln>
+            <a:noFill/>
+          </a:ln>
+        </p:spPr>
+        <p:txBody>
+          <a:bodyPr anchorCtr="0" anchor="t" bIns="91425" lIns="91425" rIns="91425" tIns="91425">
+            <a:noAutofit/>
+          </a:bodyPr>
+          <a:lstStyle/>
+          <a:p>
+            <a:pPr indent="-368300" lvl="0" marL="457200" rtl="0">
+              <a:spcBef>
+                <a:spcPts val="0"/>
+              </a:spcBef>
+              <a:buSzPct val="100000"/>
+              <a:buChar char="➔"/>
+            </a:pPr>
+            <a:r>
+              <a:rPr lang="en-US" sz="2200">
+                <a:solidFill>
+                  <a:srgbClr val="FF0000"/>
+                </a:solidFill>
+              </a:rPr>
+              <a:t>FAST</a:t>
+            </a:r>
+            <a:r>
+              <a:rPr lang="en-US" sz="2200">
+                <a:solidFill>
+                  <a:srgbClr val="FF0000"/>
+                </a:solidFill>
+              </a:rPr>
+              <a:t> </a:t>
+            </a:r>
+            <a:r>
+              <a:rPr lang="en-US" sz="2200"/>
+              <a:t>automatically tracks execution dependencies, re-executing functions when dependencies change</a:t>
+            </a:r>
+          </a:p>
+        </p:txBody>
+      </p:sp>
+    </p:spTree>
+  </p:cSld>
+  <p:clrMapOvr>
+    <a:masterClrMapping/>
+  </p:clrMapOvr>
+</p:sld>
+</file>
+
+<file path=ppt/slides/slide7.xml><?xml version="1.0" encoding="utf-8"?>
+<p:sld xmlns:a="http://schemas.openxmlformats.org/drawingml/2006/main" xmlns:r="http://schemas.openxmlformats.org/officeDocument/2006/relationships" xmlns:mc="http://schemas.openxmlformats.org/markup-compatibility/2006" xmlns:mv="urn:schemas-microsoft-com:mac:vml" xmlns:p="http://schemas.openxmlformats.org/presentationml/2006/main" xmlns:c="http://schemas.openxmlformats.org/drawingml/2006/chart" xmlns:dgm="http://schemas.openxmlformats.org/drawingml/2006/diagram" xmlns:o="urn:schemas-microsoft-com:office:office" xmlns:v="urn:schemas-microsoft-com:vml" xmlns:pvml="urn:schemas-microsoft-com:office:powerpoint" xmlns:com="http://schemas.openxmlformats.org/drawingml/2006/compatibility" xmlns:p14="http://schemas.microsoft.com/office/powerpoint/2010/main">
+  <p:cSld>
+    <p:spTree>
+      <p:nvGrpSpPr>
+        <p:cNvPr id="200" name="Shape 200"/>
+        <p:cNvGrpSpPr/>
+        <p:nvPr/>
+      </p:nvGrpSpPr>
+      <p:grpSpPr>
+        <a:xfrm>
+          <a:off x="0" y="0"/>
+          <a:ext cx="0" cy="0"/>
+          <a:chOff x="0" y="0"/>
+          <a:chExt cx="0" cy="0"/>
+        </a:xfrm>
+      </p:grpSpPr>
+      <p:sp>
+        <p:nvSpPr>
+          <p:cNvPr id="201" name="Shape 201"/>
           <p:cNvSpPr txBox="1"/>
           <p:nvPr>
             <p:ph type="title"/>
@@ -23649,7 +25719,7 @@
       </p:sp>
       <p:sp>
         <p:nvSpPr>
-          <p:cNvPr id="189" name="Shape 189"/>
+          <p:cNvPr id="202" name="Shape 202"/>
           <p:cNvSpPr txBox="1"/>
           <p:nvPr/>
         </p:nvSpPr>
@@ -23708,12 +25778,12 @@
 </p:sld>
 </file>
 
-<file path=ppt/slides/slide7.xml><?xml version="1.0" encoding="utf-8"?>
+<file path=ppt/slides/slide8.xml><?xml version="1.0" encoding="utf-8"?>
 <p:sld xmlns:a="http://schemas.openxmlformats.org/drawingml/2006/main" xmlns:r="http://schemas.openxmlformats.org/officeDocument/2006/relationships" xmlns:mc="http://schemas.openxmlformats.org/markup-compatibility/2006" xmlns:mv="urn:schemas-microsoft-com:mac:vml" xmlns:p="http://schemas.openxmlformats.org/presentationml/2006/main" xmlns:c="http://schemas.openxmlformats.org/drawingml/2006/chart" xmlns:dgm="http://schemas.openxmlformats.org/drawingml/2006/diagram" xmlns:o="urn:schemas-microsoft-com:office:office" xmlns:v="urn:schemas-microsoft-com:vml" xmlns:pvml="urn:schemas-microsoft-com:office:powerpoint" xmlns:com="http://schemas.openxmlformats.org/drawingml/2006/compatibility" xmlns:p14="http://schemas.microsoft.com/office/powerpoint/2010/main">
   <p:cSld>
     <p:spTree>
       <p:nvGrpSpPr>
-        <p:cNvPr id="193" name="Shape 193"/>
+        <p:cNvPr id="206" name="Shape 206"/>
         <p:cNvGrpSpPr/>
         <p:nvPr/>
       </p:nvGrpSpPr>
@@ -23727,7 +25797,7 @@
       </p:grpSpPr>
       <p:sp>
         <p:nvSpPr>
-          <p:cNvPr id="194" name="Shape 194"/>
+          <p:cNvPr id="207" name="Shape 207"/>
           <p:cNvSpPr txBox="1"/>
           <p:nvPr>
             <p:ph type="ctrTitle"/>
@@ -23782,7 +25852,7 @@
       </p:sp>
       <p:sp>
         <p:nvSpPr>
-          <p:cNvPr id="195" name="Shape 195"/>
+          <p:cNvPr id="208" name="Shape 208"/>
           <p:cNvSpPr txBox="1"/>
           <p:nvPr>
             <p:ph idx="1" type="subTitle"/>
@@ -23847,12 +25917,12 @@
 </p:sld>
 </file>
 
-<file path=ppt/slides/slide8.xml><?xml version="1.0" encoding="utf-8"?>
+<file path=ppt/slides/slide9.xml><?xml version="1.0" encoding="utf-8"?>
 <p:sld xmlns:a="http://schemas.openxmlformats.org/drawingml/2006/main" xmlns:r="http://schemas.openxmlformats.org/officeDocument/2006/relationships" xmlns:mc="http://schemas.openxmlformats.org/markup-compatibility/2006" xmlns:mv="urn:schemas-microsoft-com:mac:vml" xmlns:p="http://schemas.openxmlformats.org/presentationml/2006/main" xmlns:c="http://schemas.openxmlformats.org/drawingml/2006/chart" xmlns:dgm="http://schemas.openxmlformats.org/drawingml/2006/diagram" xmlns:o="urn:schemas-microsoft-com:office:office" xmlns:v="urn:schemas-microsoft-com:vml" xmlns:pvml="urn:schemas-microsoft-com:office:powerpoint" xmlns:com="http://schemas.openxmlformats.org/drawingml/2006/compatibility" xmlns:p14="http://schemas.microsoft.com/office/powerpoint/2010/main">
   <p:cSld>
     <p:spTree>
       <p:nvGrpSpPr>
-        <p:cNvPr id="199" name="Shape 199"/>
+        <p:cNvPr id="212" name="Shape 212"/>
         <p:cNvGrpSpPr/>
         <p:nvPr/>
       </p:nvGrpSpPr>
@@ -23866,7 +25936,7 @@
       </p:grpSpPr>
       <p:sp>
         <p:nvSpPr>
-          <p:cNvPr id="200" name="Shape 200"/>
+          <p:cNvPr id="213" name="Shape 213"/>
           <p:cNvSpPr txBox="1"/>
           <p:nvPr>
             <p:ph type="title"/>
@@ -23921,7 +25991,7 @@
       </p:sp>
       <p:sp>
         <p:nvSpPr>
-          <p:cNvPr id="201" name="Shape 201"/>
+          <p:cNvPr id="214" name="Shape 214"/>
           <p:cNvSpPr txBox="1"/>
           <p:nvPr/>
         </p:nvSpPr>
@@ -24115,1389 +26185,6 @@
                 <a:sym typeface="Calibri"/>
               </a:rPr>
               <a:t>…</a:t>
-            </a:r>
-          </a:p>
-        </p:txBody>
-      </p:sp>
-    </p:spTree>
-  </p:cSld>
-  <p:clrMapOvr>
-    <a:masterClrMapping/>
-  </p:clrMapOvr>
-</p:sld>
-</file>
-
-<file path=ppt/slides/slide9.xml><?xml version="1.0" encoding="utf-8"?>
-<p:sld xmlns:a="http://schemas.openxmlformats.org/drawingml/2006/main" xmlns:r="http://schemas.openxmlformats.org/officeDocument/2006/relationships" xmlns:mc="http://schemas.openxmlformats.org/markup-compatibility/2006" xmlns:mv="urn:schemas-microsoft-com:mac:vml" xmlns:p="http://schemas.openxmlformats.org/presentationml/2006/main" xmlns:c="http://schemas.openxmlformats.org/drawingml/2006/chart" xmlns:dgm="http://schemas.openxmlformats.org/drawingml/2006/diagram" xmlns:o="urn:schemas-microsoft-com:office:office" xmlns:v="urn:schemas-microsoft-com:vml" xmlns:pvml="urn:schemas-microsoft-com:office:powerpoint" xmlns:com="http://schemas.openxmlformats.org/drawingml/2006/compatibility" xmlns:p14="http://schemas.microsoft.com/office/powerpoint/2010/main">
-  <p:cSld>
-    <p:spTree>
-      <p:nvGrpSpPr>
-        <p:cNvPr id="205" name="Shape 205"/>
-        <p:cNvGrpSpPr/>
-        <p:nvPr/>
-      </p:nvGrpSpPr>
-      <p:grpSpPr>
-        <a:xfrm>
-          <a:off x="0" y="0"/>
-          <a:ext cx="0" cy="0"/>
-          <a:chOff x="0" y="0"/>
-          <a:chExt cx="0" cy="0"/>
-        </a:xfrm>
-      </p:grpSpPr>
-      <p:sp>
-        <p:nvSpPr>
-          <p:cNvPr id="206" name="Shape 206"/>
-          <p:cNvSpPr txBox="1"/>
-          <p:nvPr>
-            <p:ph type="title"/>
-          </p:nvPr>
-        </p:nvSpPr>
-        <p:spPr>
-          <a:xfrm>
-            <a:off x="1787525" y="239712"/>
-            <a:ext cx="8802688" cy="554037"/>
-          </a:xfrm>
-          <a:prstGeom prst="rect">
-            <a:avLst/>
-          </a:prstGeom>
-          <a:noFill/>
-          <a:ln>
-            <a:noFill/>
-          </a:ln>
-        </p:spPr>
-        <p:txBody>
-          <a:bodyPr anchorCtr="0" anchor="ctr" bIns="45700" lIns="91425" rIns="91425" tIns="45700">
-            <a:noAutofit/>
-          </a:bodyPr>
-          <a:lstStyle/>
-          <a:p>
-            <a:pPr indent="0" lvl="0" marL="0" marR="0" rtl="0" algn="l">
-              <a:lnSpc>
-                <a:spcPct val="90000"/>
-              </a:lnSpc>
-              <a:spcBef>
-                <a:spcPts val="0"/>
-              </a:spcBef>
-              <a:spcAft>
-                <a:spcPts val="0"/>
-              </a:spcAft>
-              <a:buSzPct val="25000"/>
-              <a:buNone/>
-            </a:pPr>
-            <a:r>
-              <a:rPr b="0" i="0" lang="en-US" sz="2400" u="none" cap="none" strike="noStrike">
-                <a:solidFill>
-                  <a:schemeClr val="dk1"/>
-                </a:solidFill>
-                <a:latin typeface="Calibri"/>
-                <a:ea typeface="Calibri"/>
-                <a:cs typeface="Calibri"/>
-                <a:sym typeface="Calibri"/>
-              </a:rPr>
-              <a:t>High-level SDN Programming Abstraction: Function Store (Details; skip)</a:t>
-            </a:r>
-          </a:p>
-        </p:txBody>
-      </p:sp>
-      <p:sp>
-        <p:nvSpPr>
-          <p:cNvPr id="207" name="Shape 207"/>
-          <p:cNvSpPr/>
-          <p:nvPr/>
-        </p:nvSpPr>
-        <p:spPr>
-          <a:xfrm>
-            <a:off x="1603375" y="1757363"/>
-            <a:ext cx="3230563" cy="1077912"/>
-          </a:xfrm>
-          <a:prstGeom prst="rect">
-            <a:avLst/>
-          </a:prstGeom>
-          <a:solidFill>
-            <a:srgbClr val="4F81BD"/>
-          </a:solidFill>
-          <a:ln cap="flat" cmpd="sng" w="9525">
-            <a:solidFill>
-              <a:srgbClr val="000000"/>
-            </a:solidFill>
-            <a:prstDash val="solid"/>
-            <a:round/>
-            <a:headEnd len="med" w="med" type="none"/>
-            <a:tailEnd len="med" w="med" type="none"/>
-          </a:ln>
-        </p:spPr>
-        <p:txBody>
-          <a:bodyPr anchorCtr="0" anchor="t" bIns="45700" lIns="91425" rIns="91425" tIns="45700">
-            <a:noAutofit/>
-          </a:bodyPr>
-          <a:lstStyle/>
-          <a:p>
-            <a:pPr indent="0" lvl="0" marL="0" marR="0" rtl="0" algn="l">
-              <a:spcBef>
-                <a:spcPts val="0"/>
-              </a:spcBef>
-              <a:spcAft>
-                <a:spcPts val="0"/>
-              </a:spcAft>
-              <a:buNone/>
-            </a:pPr>
-            <a:r>
-              <a:t/>
-            </a:r>
-            <a:endParaRPr b="0" baseline="-25000" i="0" sz="2400" u="none" cap="none" strike="noStrike">
-              <a:solidFill>
-                <a:srgbClr val="000000"/>
-              </a:solidFill>
-              <a:latin typeface="Arial"/>
-              <a:ea typeface="Arial"/>
-              <a:cs typeface="Arial"/>
-              <a:sym typeface="Arial"/>
-            </a:endParaRPr>
-          </a:p>
-        </p:txBody>
-      </p:sp>
-      <p:sp>
-        <p:nvSpPr>
-          <p:cNvPr id="208" name="Shape 208"/>
-          <p:cNvSpPr/>
-          <p:nvPr/>
-        </p:nvSpPr>
-        <p:spPr>
-          <a:xfrm>
-            <a:off x="1831273" y="1968150"/>
-            <a:ext cx="751114" cy="588905"/>
-          </a:xfrm>
-          <a:prstGeom prst="flowChartDocument">
-            <a:avLst/>
-          </a:prstGeom>
-          <a:gradFill>
-            <a:gsLst>
-              <a:gs pos="0">
-                <a:srgbClr val="FFFFFF"/>
-              </a:gs>
-              <a:gs pos="35000">
-                <a:srgbClr val="FFFFFF"/>
-              </a:gs>
-              <a:gs pos="100000">
-                <a:schemeClr val="accent2"/>
-              </a:gs>
-            </a:gsLst>
-            <a:path path="circle">
-              <a:fillToRect b="50%" l="50%" r="50%" t="50%"/>
-            </a:path>
-            <a:tileRect/>
-          </a:gradFill>
-          <a:ln cap="flat" cmpd="sng" w="9525">
-            <a:solidFill>
-              <a:schemeClr val="accent1"/>
-            </a:solidFill>
-            <a:prstDash val="solid"/>
-            <a:miter/>
-            <a:headEnd len="med" w="med" type="none"/>
-            <a:tailEnd len="med" w="med" type="none"/>
-          </a:ln>
-        </p:spPr>
-        <p:txBody>
-          <a:bodyPr anchorCtr="0" anchor="ctr" bIns="45700" lIns="91425" rIns="91425" tIns="45700">
-            <a:noAutofit/>
-          </a:bodyPr>
-          <a:lstStyle/>
-          <a:p>
-            <a:pPr indent="0" lvl="0" marL="0" marR="0" rtl="0" algn="ctr">
-              <a:spcBef>
-                <a:spcPts val="0"/>
-              </a:spcBef>
-              <a:spcAft>
-                <a:spcPts val="0"/>
-              </a:spcAft>
-              <a:buSzPct val="25000"/>
-              <a:buNone/>
-            </a:pPr>
-            <a:r>
-              <a:rPr b="0" i="0" lang="en-US" sz="1200" u="none" cap="none" strike="noStrike">
-                <a:solidFill>
-                  <a:srgbClr val="C00000"/>
-                </a:solidFill>
-                <a:latin typeface="Arial"/>
-                <a:ea typeface="Arial"/>
-                <a:cs typeface="Arial"/>
-                <a:sym typeface="Arial"/>
-              </a:rPr>
-              <a:t>function</a:t>
-            </a:r>
-            <a:br>
-              <a:rPr b="0" i="0" lang="en-US" sz="1200" u="none" cap="none" strike="noStrike">
-                <a:solidFill>
-                  <a:srgbClr val="C00000"/>
-                </a:solidFill>
-                <a:latin typeface="Arial"/>
-                <a:ea typeface="Arial"/>
-                <a:cs typeface="Arial"/>
-                <a:sym typeface="Arial"/>
-              </a:rPr>
-            </a:br>
-            <a:r>
-              <a:rPr b="0" i="0" lang="en-US" sz="1200" u="none" cap="none" strike="noStrike">
-                <a:solidFill>
-                  <a:srgbClr val="C00000"/>
-                </a:solidFill>
-                <a:latin typeface="Arial"/>
-                <a:ea typeface="Arial"/>
-                <a:cs typeface="Arial"/>
-                <a:sym typeface="Arial"/>
-              </a:rPr>
-              <a:t>instance</a:t>
-            </a:r>
-          </a:p>
-        </p:txBody>
-      </p:sp>
-      <p:sp>
-        <p:nvSpPr>
-          <p:cNvPr id="209" name="Shape 209"/>
-          <p:cNvSpPr txBox="1"/>
-          <p:nvPr/>
-        </p:nvSpPr>
-        <p:spPr>
-          <a:xfrm>
-            <a:off x="5046662" y="1552575"/>
-            <a:ext cx="5259387" cy="4645024"/>
-          </a:xfrm>
-          <a:prstGeom prst="rect">
-            <a:avLst/>
-          </a:prstGeom>
-          <a:noFill/>
-          <a:ln cap="flat" cmpd="sng" w="9525">
-            <a:solidFill>
-              <a:srgbClr val="000000"/>
-            </a:solidFill>
-            <a:prstDash val="solid"/>
-            <a:miter/>
-            <a:headEnd len="med" w="med" type="none"/>
-            <a:tailEnd len="med" w="med" type="none"/>
-          </a:ln>
-        </p:spPr>
-        <p:txBody>
-          <a:bodyPr anchorCtr="0" anchor="t" bIns="91425" lIns="91425" rIns="91425" tIns="91425">
-            <a:noAutofit/>
-          </a:bodyPr>
-          <a:lstStyle/>
-          <a:p>
-            <a:pPr indent="0" lvl="0" marL="0" marR="0" rtl="0" algn="l">
-              <a:lnSpc>
-                <a:spcPct val="100000"/>
-              </a:lnSpc>
-              <a:spcBef>
-                <a:spcPts val="0"/>
-              </a:spcBef>
-              <a:spcAft>
-                <a:spcPts val="0"/>
-              </a:spcAft>
-              <a:buClr>
-                <a:srgbClr val="6E7BBD"/>
-              </a:buClr>
-              <a:buSzPct val="25000"/>
-              <a:buFont typeface="Calibri"/>
-              <a:buNone/>
-            </a:pPr>
-            <a:r>
-              <a:rPr b="1" i="0" lang="en-US" sz="1400" u="none" cap="none" strike="noStrike">
-                <a:solidFill>
-                  <a:srgbClr val="000000"/>
-                </a:solidFill>
-                <a:latin typeface="Consolas"/>
-                <a:ea typeface="Consolas"/>
-                <a:cs typeface="Consolas"/>
-                <a:sym typeface="Consolas"/>
-              </a:rPr>
-              <a:t>public void </a:t>
-            </a:r>
-            <a:r>
-              <a:rPr b="1" i="0" lang="en-US" sz="1400" u="none" cap="none" strike="noStrike">
-                <a:solidFill>
-                  <a:srgbClr val="FF0000"/>
-                </a:solidFill>
-                <a:latin typeface="Consolas"/>
-                <a:ea typeface="Consolas"/>
-                <a:cs typeface="Consolas"/>
-                <a:sym typeface="Consolas"/>
-              </a:rPr>
-              <a:t>QoSRouting</a:t>
-            </a:r>
-            <a:r>
-              <a:rPr b="1" i="0" lang="en-US" sz="1400" u="none" cap="none" strike="noStrike">
-                <a:solidFill>
-                  <a:srgbClr val="000000"/>
-                </a:solidFill>
-                <a:latin typeface="Consolas"/>
-                <a:ea typeface="Consolas"/>
-                <a:cs typeface="Consolas"/>
-                <a:sym typeface="Consolas"/>
-              </a:rPr>
-              <a:t>(</a:t>
-            </a:r>
-            <a:r>
-              <a:rPr b="1" i="0" lang="en-US" sz="1400" u="none" cap="none" strike="noStrike">
-                <a:solidFill>
-                  <a:srgbClr val="FF0000"/>
-                </a:solidFill>
-                <a:latin typeface="Consolas"/>
-                <a:ea typeface="Consolas"/>
-                <a:cs typeface="Consolas"/>
-                <a:sym typeface="Consolas"/>
-              </a:rPr>
-              <a:t>Ipv4Address src, </a:t>
-            </a:r>
-            <a:br>
-              <a:rPr b="1" i="0" lang="en-US" sz="1400" u="none" cap="none" strike="noStrike">
-                <a:solidFill>
-                  <a:srgbClr val="FF0000"/>
-                </a:solidFill>
-                <a:latin typeface="Consolas"/>
-                <a:ea typeface="Consolas"/>
-                <a:cs typeface="Consolas"/>
-                <a:sym typeface="Consolas"/>
-              </a:rPr>
-            </a:br>
-            <a:r>
-              <a:rPr b="1" i="0" lang="en-US" sz="1400" u="none" cap="none" strike="noStrike">
-                <a:solidFill>
-                  <a:srgbClr val="FF0000"/>
-                </a:solidFill>
-                <a:latin typeface="Consolas"/>
-                <a:ea typeface="Consolas"/>
-                <a:cs typeface="Consolas"/>
-                <a:sym typeface="Consolas"/>
-              </a:rPr>
-              <a:t>            Ipv4Address dst, int requiredBw</a:t>
-            </a:r>
-            <a:r>
-              <a:rPr b="1" i="0" lang="en-US" sz="1400" u="none" cap="none" strike="noStrike">
-                <a:solidFill>
-                  <a:srgbClr val="000000"/>
-                </a:solidFill>
-                <a:latin typeface="Consolas"/>
-                <a:ea typeface="Consolas"/>
-                <a:cs typeface="Consolas"/>
-                <a:sym typeface="Consolas"/>
-              </a:rPr>
-              <a:t>) {</a:t>
-            </a:r>
-          </a:p>
-          <a:p>
-            <a:pPr indent="0" lvl="0" marL="0" marR="0" rtl="0" algn="l">
-              <a:lnSpc>
-                <a:spcPct val="100000"/>
-              </a:lnSpc>
-              <a:spcBef>
-                <a:spcPts val="0"/>
-              </a:spcBef>
-              <a:spcAft>
-                <a:spcPts val="0"/>
-              </a:spcAft>
-              <a:buClr>
-                <a:srgbClr val="6E7BBD"/>
-              </a:buClr>
-              <a:buSzPct val="25000"/>
-              <a:buFont typeface="Calibri"/>
-              <a:buNone/>
-            </a:pPr>
-            <a:r>
-              <a:rPr b="1" i="0" lang="en-US" sz="1400" u="none" cap="none" strike="noStrike">
-                <a:solidFill>
-                  <a:srgbClr val="000000"/>
-                </a:solidFill>
-                <a:latin typeface="Consolas"/>
-                <a:ea typeface="Consolas"/>
-                <a:cs typeface="Consolas"/>
-                <a:sym typeface="Consolas"/>
-              </a:rPr>
-              <a:t>  srcNode, dstNode = </a:t>
-            </a:r>
-            <a:r>
-              <a:rPr b="1" i="0" lang="en-US" sz="1400" u="none" cap="none" strike="noStrike">
-                <a:solidFill>
-                  <a:srgbClr val="FF0000"/>
-                </a:solidFill>
-                <a:latin typeface="Consolas"/>
-                <a:ea typeface="Consolas"/>
-                <a:cs typeface="Consolas"/>
-                <a:sym typeface="Consolas"/>
-              </a:rPr>
-              <a:t>mapToNode</a:t>
-            </a:r>
-            <a:r>
-              <a:rPr b="1" i="0" lang="en-US" sz="1400" u="none" cap="none" strike="noStrike">
-                <a:solidFill>
-                  <a:srgbClr val="000000"/>
-                </a:solidFill>
-                <a:latin typeface="Consolas"/>
-                <a:ea typeface="Consolas"/>
-                <a:cs typeface="Consolas"/>
-                <a:sym typeface="Consolas"/>
-              </a:rPr>
-              <a:t>(src, dst);</a:t>
-            </a:r>
-          </a:p>
-          <a:p>
-            <a:pPr indent="0" lvl="0" marL="0" marR="0" rtl="0" algn="l">
-              <a:lnSpc>
-                <a:spcPct val="100000"/>
-              </a:lnSpc>
-              <a:spcBef>
-                <a:spcPts val="0"/>
-              </a:spcBef>
-              <a:spcAft>
-                <a:spcPts val="0"/>
-              </a:spcAft>
-              <a:buClr>
-                <a:srgbClr val="6E7BBD"/>
-              </a:buClr>
-              <a:buSzPct val="25000"/>
-              <a:buFont typeface="Calibri"/>
-              <a:buNone/>
-            </a:pPr>
-            <a:r>
-              <a:rPr b="1" i="0" lang="en-US" sz="1400" u="none" cap="none" strike="noStrike">
-                <a:solidFill>
-                  <a:srgbClr val="000000"/>
-                </a:solidFill>
-                <a:latin typeface="Consolas"/>
-                <a:ea typeface="Consolas"/>
-                <a:cs typeface="Consolas"/>
-                <a:sym typeface="Consolas"/>
-              </a:rPr>
-              <a:t>  topology = </a:t>
-            </a:r>
-            <a:r>
-              <a:rPr b="1" i="0" lang="en-US" sz="1400" u="none" cap="none" strike="noStrike">
-                <a:solidFill>
-                  <a:srgbClr val="FF0000"/>
-                </a:solidFill>
-                <a:latin typeface="Consolas"/>
-                <a:ea typeface="Consolas"/>
-                <a:cs typeface="Consolas"/>
-                <a:sym typeface="Consolas"/>
-              </a:rPr>
-              <a:t>readTopology()</a:t>
-            </a:r>
-            <a:r>
-              <a:rPr b="1" i="0" lang="en-US" sz="1400" u="none" cap="none" strike="noStrike">
-                <a:solidFill>
-                  <a:srgbClr val="000000"/>
-                </a:solidFill>
-                <a:latin typeface="Consolas"/>
-                <a:ea typeface="Consolas"/>
-                <a:cs typeface="Consolas"/>
-                <a:sym typeface="Consolas"/>
-              </a:rPr>
-              <a:t>;</a:t>
-            </a:r>
-          </a:p>
-          <a:p>
-            <a:pPr indent="0" lvl="0" marL="0" marR="0" rtl="0" algn="l">
-              <a:lnSpc>
-                <a:spcPct val="100000"/>
-              </a:lnSpc>
-              <a:spcBef>
-                <a:spcPts val="0"/>
-              </a:spcBef>
-              <a:spcAft>
-                <a:spcPts val="0"/>
-              </a:spcAft>
-              <a:buClr>
-                <a:srgbClr val="6E7BBD"/>
-              </a:buClr>
-              <a:buFont typeface="Calibri"/>
-              <a:buNone/>
-            </a:pPr>
-            <a:r>
-              <a:t/>
-            </a:r>
-            <a:endParaRPr b="1" i="0" sz="1400" u="none" cap="none" strike="noStrike">
-              <a:solidFill>
-                <a:srgbClr val="000000"/>
-              </a:solidFill>
-              <a:latin typeface="Consolas"/>
-              <a:ea typeface="Consolas"/>
-              <a:cs typeface="Consolas"/>
-              <a:sym typeface="Consolas"/>
-            </a:endParaRPr>
-          </a:p>
-          <a:p>
-            <a:pPr indent="0" lvl="0" marL="0" marR="0" rtl="0" algn="l">
-              <a:lnSpc>
-                <a:spcPct val="100000"/>
-              </a:lnSpc>
-              <a:spcBef>
-                <a:spcPts val="0"/>
-              </a:spcBef>
-              <a:spcAft>
-                <a:spcPts val="0"/>
-              </a:spcAft>
-              <a:buClr>
-                <a:srgbClr val="6E7BBD"/>
-              </a:buClr>
-              <a:buSzPct val="25000"/>
-              <a:buFont typeface="Calibri"/>
-              <a:buNone/>
-            </a:pPr>
-            <a:r>
-              <a:rPr b="1" i="0" lang="en-US" sz="1400" u="none" cap="none" strike="noStrike">
-                <a:solidFill>
-                  <a:srgbClr val="000000"/>
-                </a:solidFill>
-                <a:latin typeface="Consolas"/>
-                <a:ea typeface="Consolas"/>
-                <a:cs typeface="Consolas"/>
-                <a:sym typeface="Consolas"/>
-              </a:rPr>
-              <a:t>  pq.add(srcNode);</a:t>
-            </a:r>
-          </a:p>
-          <a:p>
-            <a:pPr indent="0" lvl="0" marL="0" marR="0" rtl="0" algn="l">
-              <a:lnSpc>
-                <a:spcPct val="100000"/>
-              </a:lnSpc>
-              <a:spcBef>
-                <a:spcPts val="0"/>
-              </a:spcBef>
-              <a:spcAft>
-                <a:spcPts val="0"/>
-              </a:spcAft>
-              <a:buClr>
-                <a:srgbClr val="6E7BBD"/>
-              </a:buClr>
-              <a:buSzPct val="25000"/>
-              <a:buFont typeface="Calibri"/>
-              <a:buNone/>
-            </a:pPr>
-            <a:r>
-              <a:rPr b="1" i="0" lang="en-US" sz="1400" u="none" cap="none" strike="noStrike">
-                <a:solidFill>
-                  <a:srgbClr val="000000"/>
-                </a:solidFill>
-                <a:latin typeface="Consolas"/>
-                <a:ea typeface="Consolas"/>
-                <a:cs typeface="Consolas"/>
-                <a:sym typeface="Consolas"/>
-              </a:rPr>
-              <a:t>  while (!pq.isEmpty()) {</a:t>
-            </a:r>
-          </a:p>
-          <a:p>
-            <a:pPr indent="0" lvl="0" marL="0" marR="0" rtl="0" algn="l">
-              <a:lnSpc>
-                <a:spcPct val="100000"/>
-              </a:lnSpc>
-              <a:spcBef>
-                <a:spcPts val="0"/>
-              </a:spcBef>
-              <a:spcAft>
-                <a:spcPts val="0"/>
-              </a:spcAft>
-              <a:buClr>
-                <a:srgbClr val="6E7BBD"/>
-              </a:buClr>
-              <a:buSzPct val="25000"/>
-              <a:buFont typeface="Calibri"/>
-              <a:buNone/>
-            </a:pPr>
-            <a:r>
-              <a:rPr b="1" i="0" lang="en-US" sz="1400" u="none" cap="none" strike="noStrike">
-                <a:solidFill>
-                  <a:srgbClr val="000000"/>
-                </a:solidFill>
-                <a:latin typeface="Consolas"/>
-                <a:ea typeface="Consolas"/>
-                <a:cs typeface="Consolas"/>
-                <a:sym typeface="Consolas"/>
-              </a:rPr>
-              <a:t>    n = pq.pop();</a:t>
-            </a:r>
-          </a:p>
-          <a:p>
-            <a:pPr indent="0" lvl="0" marL="0" marR="0" rtl="0" algn="l">
-              <a:lnSpc>
-                <a:spcPct val="100000"/>
-              </a:lnSpc>
-              <a:spcBef>
-                <a:spcPts val="0"/>
-              </a:spcBef>
-              <a:spcAft>
-                <a:spcPts val="0"/>
-              </a:spcAft>
-              <a:buClr>
-                <a:srgbClr val="6E7BBD"/>
-              </a:buClr>
-              <a:buSzPct val="25000"/>
-              <a:buFont typeface="Calibri"/>
-              <a:buNone/>
-            </a:pPr>
-            <a:r>
-              <a:rPr b="1" i="0" lang="en-US" sz="1400" u="none" cap="none" strike="noStrike">
-                <a:solidFill>
-                  <a:srgbClr val="000000"/>
-                </a:solidFill>
-                <a:latin typeface="Consolas"/>
-                <a:ea typeface="Consolas"/>
-                <a:cs typeface="Consolas"/>
-                <a:sym typeface="Consolas"/>
-              </a:rPr>
-              <a:t>    if (bw_src(n) &lt; requiredBw)</a:t>
-            </a:r>
-          </a:p>
-          <a:p>
-            <a:pPr indent="0" lvl="0" marL="0" marR="0" rtl="0" algn="l">
-              <a:lnSpc>
-                <a:spcPct val="100000"/>
-              </a:lnSpc>
-              <a:spcBef>
-                <a:spcPts val="0"/>
-              </a:spcBef>
-              <a:spcAft>
-                <a:spcPts val="0"/>
-              </a:spcAft>
-              <a:buClr>
-                <a:srgbClr val="6E7BBD"/>
-              </a:buClr>
-              <a:buSzPct val="25000"/>
-              <a:buFont typeface="Calibri"/>
-              <a:buNone/>
-            </a:pPr>
-            <a:r>
-              <a:rPr b="1" i="0" lang="en-US" sz="1400" u="none" cap="none" strike="noStrike">
-                <a:solidFill>
-                  <a:srgbClr val="000000"/>
-                </a:solidFill>
-                <a:latin typeface="Consolas"/>
-                <a:ea typeface="Consolas"/>
-                <a:cs typeface="Consolas"/>
-                <a:sym typeface="Consolas"/>
-              </a:rPr>
-              <a:t>      return failure</a:t>
-            </a:r>
-          </a:p>
-          <a:p>
-            <a:pPr indent="0" lvl="0" marL="0" marR="0" rtl="0" algn="l">
-              <a:lnSpc>
-                <a:spcPct val="100000"/>
-              </a:lnSpc>
-              <a:spcBef>
-                <a:spcPts val="0"/>
-              </a:spcBef>
-              <a:spcAft>
-                <a:spcPts val="0"/>
-              </a:spcAft>
-              <a:buClr>
-                <a:srgbClr val="6E7BBD"/>
-              </a:buClr>
-              <a:buSzPct val="25000"/>
-              <a:buFont typeface="Calibri"/>
-              <a:buNone/>
-            </a:pPr>
-            <a:r>
-              <a:rPr b="1" i="0" lang="en-US" sz="1400" u="none" cap="none" strike="noStrike">
-                <a:solidFill>
-                  <a:srgbClr val="000000"/>
-                </a:solidFill>
-                <a:latin typeface="Consolas"/>
-                <a:ea typeface="Consolas"/>
-                <a:cs typeface="Consolas"/>
-                <a:sym typeface="Consolas"/>
-              </a:rPr>
-              <a:t>    if (n == dstNode)</a:t>
-            </a:r>
-          </a:p>
-          <a:p>
-            <a:pPr indent="0" lvl="0" marL="0" marR="0" rtl="0" algn="l">
-              <a:lnSpc>
-                <a:spcPct val="100000"/>
-              </a:lnSpc>
-              <a:spcBef>
-                <a:spcPts val="0"/>
-              </a:spcBef>
-              <a:spcAft>
-                <a:spcPts val="0"/>
-              </a:spcAft>
-              <a:buClr>
-                <a:srgbClr val="6E7BBD"/>
-              </a:buClr>
-              <a:buSzPct val="25000"/>
-              <a:buFont typeface="Calibri"/>
-              <a:buNone/>
-            </a:pPr>
-            <a:r>
-              <a:rPr b="1" i="0" lang="en-US" sz="1400" u="none" cap="none" strike="noStrike">
-                <a:solidFill>
-                  <a:srgbClr val="000000"/>
-                </a:solidFill>
-                <a:latin typeface="Consolas"/>
-                <a:ea typeface="Consolas"/>
-                <a:cs typeface="Consolas"/>
-                <a:sym typeface="Consolas"/>
-              </a:rPr>
-              <a:t>      return </a:t>
-            </a:r>
-            <a:r>
-              <a:rPr b="1" i="0" lang="en-US" sz="1400" u="none" cap="none" strike="noStrike">
-                <a:solidFill>
-                  <a:srgbClr val="0000FF"/>
-                </a:solidFill>
-                <a:latin typeface="Consolas"/>
-                <a:ea typeface="Consolas"/>
-                <a:cs typeface="Consolas"/>
-                <a:sym typeface="Consolas"/>
-              </a:rPr>
-              <a:t>writeRoute(src, dst, path)</a:t>
-            </a:r>
-            <a:r>
-              <a:rPr b="1" i="0" lang="en-US" sz="1400" u="none" cap="none" strike="noStrike">
-                <a:solidFill>
-                  <a:srgbClr val="000000"/>
-                </a:solidFill>
-                <a:latin typeface="Consolas"/>
-                <a:ea typeface="Consolas"/>
-                <a:cs typeface="Consolas"/>
-                <a:sym typeface="Consolas"/>
-              </a:rPr>
-              <a:t>;</a:t>
-            </a:r>
-          </a:p>
-          <a:p>
-            <a:pPr indent="0" lvl="0" marL="0" marR="0" rtl="0" algn="l">
-              <a:lnSpc>
-                <a:spcPct val="100000"/>
-              </a:lnSpc>
-              <a:spcBef>
-                <a:spcPts val="0"/>
-              </a:spcBef>
-              <a:spcAft>
-                <a:spcPts val="0"/>
-              </a:spcAft>
-              <a:buClr>
-                <a:srgbClr val="6E7BBD"/>
-              </a:buClr>
-              <a:buSzPct val="25000"/>
-              <a:buFont typeface="Calibri"/>
-              <a:buNone/>
-            </a:pPr>
-            <a:r>
-              <a:rPr b="1" i="0" lang="en-US" sz="1400" u="none" cap="none" strike="noStrike">
-                <a:solidFill>
-                  <a:srgbClr val="000000"/>
-                </a:solidFill>
-                <a:latin typeface="Consolas"/>
-                <a:ea typeface="Consolas"/>
-                <a:cs typeface="Consolas"/>
-                <a:sym typeface="Consolas"/>
-              </a:rPr>
-              <a:t>    for (e(n-&gt;m): </a:t>
-            </a:r>
-            <a:r>
-              <a:rPr b="1" i="0" lang="en-US" sz="1400" u="none" cap="none" strike="noStrike">
-                <a:solidFill>
-                  <a:srgbClr val="FF0000"/>
-                </a:solidFill>
-                <a:latin typeface="Consolas"/>
-                <a:ea typeface="Consolas"/>
-                <a:cs typeface="Consolas"/>
-                <a:sym typeface="Consolas"/>
-              </a:rPr>
-              <a:t>n.neighbors</a:t>
-            </a:r>
-            <a:r>
-              <a:rPr b="1" i="0" lang="en-US" sz="1400" u="none" cap="none" strike="noStrike">
-                <a:solidFill>
-                  <a:srgbClr val="000000"/>
-                </a:solidFill>
-                <a:latin typeface="Consolas"/>
-                <a:ea typeface="Consolas"/>
-                <a:cs typeface="Consolas"/>
-                <a:sym typeface="Consolas"/>
-              </a:rPr>
-              <a:t>) {</a:t>
-            </a:r>
-          </a:p>
-          <a:p>
-            <a:pPr indent="0" lvl="0" marL="0" marR="0" rtl="0" algn="l">
-              <a:lnSpc>
-                <a:spcPct val="100000"/>
-              </a:lnSpc>
-              <a:spcBef>
-                <a:spcPts val="0"/>
-              </a:spcBef>
-              <a:spcAft>
-                <a:spcPts val="0"/>
-              </a:spcAft>
-              <a:buClr>
-                <a:srgbClr val="6E7BBD"/>
-              </a:buClr>
-              <a:buSzPct val="25000"/>
-              <a:buFont typeface="Calibri"/>
-              <a:buNone/>
-            </a:pPr>
-            <a:r>
-              <a:rPr b="1" i="0" lang="en-US" sz="1400" u="none" cap="none" strike="noStrike">
-                <a:solidFill>
-                  <a:srgbClr val="000000"/>
-                </a:solidFill>
-                <a:latin typeface="Consolas"/>
-                <a:ea typeface="Consolas"/>
-                <a:cs typeface="Consolas"/>
-                <a:sym typeface="Consolas"/>
-              </a:rPr>
-              <a:t>      if (min(</a:t>
-            </a:r>
-            <a:r>
-              <a:rPr b="1" i="0" lang="en-US" sz="1400" u="none" cap="none" strike="noStrike">
-                <a:solidFill>
-                  <a:srgbClr val="FF0000"/>
-                </a:solidFill>
-                <a:latin typeface="Consolas"/>
-                <a:ea typeface="Consolas"/>
-                <a:cs typeface="Consolas"/>
-                <a:sym typeface="Consolas"/>
-              </a:rPr>
-              <a:t>e.bw</a:t>
-            </a:r>
-            <a:r>
-              <a:rPr b="1" i="0" lang="en-US" sz="1400" u="none" cap="none" strike="noStrike">
-                <a:solidFill>
-                  <a:srgbClr val="000000"/>
-                </a:solidFill>
-                <a:latin typeface="Consolas"/>
-                <a:ea typeface="Consolas"/>
-                <a:cs typeface="Consolas"/>
-                <a:sym typeface="Consolas"/>
-              </a:rPr>
-              <a:t>, bw_src(n)) &gt; bw_src(m)) {</a:t>
-            </a:r>
-          </a:p>
-          <a:p>
-            <a:pPr indent="0" lvl="0" marL="0" marR="0" rtl="0" algn="l">
-              <a:lnSpc>
-                <a:spcPct val="100000"/>
-              </a:lnSpc>
-              <a:spcBef>
-                <a:spcPts val="0"/>
-              </a:spcBef>
-              <a:spcAft>
-                <a:spcPts val="0"/>
-              </a:spcAft>
-              <a:buClr>
-                <a:srgbClr val="6E7BBD"/>
-              </a:buClr>
-              <a:buSzPct val="25000"/>
-              <a:buFont typeface="Calibri"/>
-              <a:buNone/>
-            </a:pPr>
-            <a:r>
-              <a:rPr b="1" i="0" lang="en-US" sz="1400" u="none" cap="none" strike="noStrike">
-                <a:solidFill>
-                  <a:srgbClr val="000000"/>
-                </a:solidFill>
-                <a:latin typeface="Consolas"/>
-                <a:ea typeface="Consolas"/>
-                <a:cs typeface="Consolas"/>
-                <a:sym typeface="Consolas"/>
-              </a:rPr>
-              <a:t>         updateBw(m, min(e.bw, bw_src(n)));</a:t>
-            </a:r>
-          </a:p>
-          <a:p>
-            <a:pPr indent="0" lvl="0" marL="0" marR="0" rtl="0" algn="l">
-              <a:lnSpc>
-                <a:spcPct val="100000"/>
-              </a:lnSpc>
-              <a:spcBef>
-                <a:spcPts val="0"/>
-              </a:spcBef>
-              <a:spcAft>
-                <a:spcPts val="0"/>
-              </a:spcAft>
-              <a:buClr>
-                <a:srgbClr val="6E7BBD"/>
-              </a:buClr>
-              <a:buSzPct val="25000"/>
-              <a:buFont typeface="Calibri"/>
-              <a:buNone/>
-            </a:pPr>
-            <a:r>
-              <a:rPr b="1" i="0" lang="en-US" sz="1400" u="none" cap="none" strike="noStrike">
-                <a:solidFill>
-                  <a:srgbClr val="000000"/>
-                </a:solidFill>
-                <a:latin typeface="Consolas"/>
-                <a:ea typeface="Consolas"/>
-                <a:cs typeface="Consolas"/>
-                <a:sym typeface="Consolas"/>
-              </a:rPr>
-              <a:t>         ...</a:t>
-            </a:r>
-          </a:p>
-          <a:p>
-            <a:pPr indent="0" lvl="0" marL="0" marR="0" rtl="0" algn="l">
-              <a:lnSpc>
-                <a:spcPct val="100000"/>
-              </a:lnSpc>
-              <a:spcBef>
-                <a:spcPts val="0"/>
-              </a:spcBef>
-              <a:spcAft>
-                <a:spcPts val="0"/>
-              </a:spcAft>
-              <a:buClr>
-                <a:srgbClr val="6E7BBD"/>
-              </a:buClr>
-              <a:buSzPct val="25000"/>
-              <a:buFont typeface="Calibri"/>
-              <a:buNone/>
-            </a:pPr>
-            <a:r>
-              <a:rPr b="1" i="0" lang="en-US" sz="1400" u="none" cap="none" strike="noStrike">
-                <a:solidFill>
-                  <a:srgbClr val="000000"/>
-                </a:solidFill>
-                <a:latin typeface="Consolas"/>
-                <a:ea typeface="Consolas"/>
-                <a:cs typeface="Consolas"/>
-                <a:sym typeface="Consolas"/>
-              </a:rPr>
-              <a:t>      }</a:t>
-            </a:r>
-          </a:p>
-          <a:p>
-            <a:pPr indent="0" lvl="0" marL="0" marR="0" rtl="0" algn="l">
-              <a:lnSpc>
-                <a:spcPct val="100000"/>
-              </a:lnSpc>
-              <a:spcBef>
-                <a:spcPts val="0"/>
-              </a:spcBef>
-              <a:spcAft>
-                <a:spcPts val="0"/>
-              </a:spcAft>
-              <a:buClr>
-                <a:srgbClr val="6E7BBD"/>
-              </a:buClr>
-              <a:buSzPct val="25000"/>
-              <a:buFont typeface="Calibri"/>
-              <a:buNone/>
-            </a:pPr>
-            <a:r>
-              <a:rPr b="1" i="0" lang="en-US" sz="1400" u="none" cap="none" strike="noStrike">
-                <a:solidFill>
-                  <a:srgbClr val="000000"/>
-                </a:solidFill>
-                <a:latin typeface="Consolas"/>
-                <a:ea typeface="Consolas"/>
-                <a:cs typeface="Consolas"/>
-                <a:sym typeface="Consolas"/>
-              </a:rPr>
-              <a:t>    }</a:t>
-            </a:r>
-          </a:p>
-          <a:p>
-            <a:pPr indent="0" lvl="0" marL="0" marR="0" rtl="0" algn="l">
-              <a:lnSpc>
-                <a:spcPct val="100000"/>
-              </a:lnSpc>
-              <a:spcBef>
-                <a:spcPts val="0"/>
-              </a:spcBef>
-              <a:spcAft>
-                <a:spcPts val="0"/>
-              </a:spcAft>
-              <a:buClr>
-                <a:srgbClr val="6E7BBD"/>
-              </a:buClr>
-              <a:buSzPct val="25000"/>
-              <a:buFont typeface="Calibri"/>
-              <a:buNone/>
-            </a:pPr>
-            <a:r>
-              <a:rPr b="1" i="0" lang="en-US" sz="1400" u="none" cap="none" strike="noStrike">
-                <a:solidFill>
-                  <a:srgbClr val="000000"/>
-                </a:solidFill>
-                <a:latin typeface="Consolas"/>
-                <a:ea typeface="Consolas"/>
-                <a:cs typeface="Consolas"/>
-                <a:sym typeface="Consolas"/>
-              </a:rPr>
-              <a:t>  }</a:t>
-            </a:r>
-          </a:p>
-          <a:p>
-            <a:pPr indent="0" lvl="0" marL="0" marR="0" rtl="0" algn="l">
-              <a:lnSpc>
-                <a:spcPct val="100000"/>
-              </a:lnSpc>
-              <a:spcBef>
-                <a:spcPts val="0"/>
-              </a:spcBef>
-              <a:spcAft>
-                <a:spcPts val="0"/>
-              </a:spcAft>
-              <a:buClr>
-                <a:srgbClr val="6E7BBD"/>
-              </a:buClr>
-              <a:buSzPct val="25000"/>
-              <a:buFont typeface="Calibri"/>
-              <a:buNone/>
-            </a:pPr>
-            <a:r>
-              <a:rPr b="1" i="0" lang="en-US" sz="1400" u="none" cap="none" strike="noStrike">
-                <a:solidFill>
-                  <a:srgbClr val="000000"/>
-                </a:solidFill>
-                <a:latin typeface="Consolas"/>
-                <a:ea typeface="Consolas"/>
-                <a:cs typeface="Consolas"/>
-                <a:sym typeface="Consolas"/>
-              </a:rPr>
-              <a:t>  return failure }</a:t>
-            </a:r>
-          </a:p>
-        </p:txBody>
-      </p:sp>
-      <p:sp>
-        <p:nvSpPr>
-          <p:cNvPr id="210" name="Shape 210"/>
-          <p:cNvSpPr txBox="1"/>
-          <p:nvPr>
-            <p:ph idx="1" type="body"/>
-          </p:nvPr>
-        </p:nvSpPr>
-        <p:spPr>
-          <a:xfrm>
-            <a:off x="1617662" y="3041650"/>
-            <a:ext cx="3216275" cy="3155950"/>
-          </a:xfrm>
-          <a:prstGeom prst="rect">
-            <a:avLst/>
-          </a:prstGeom>
-          <a:noFill/>
-          <a:ln cap="flat" cmpd="sng" w="9525">
-            <a:solidFill>
-              <a:srgbClr val="5597D3"/>
-            </a:solidFill>
-            <a:prstDash val="solid"/>
-            <a:round/>
-            <a:headEnd len="med" w="med" type="none"/>
-            <a:tailEnd len="med" w="med" type="none"/>
-          </a:ln>
-        </p:spPr>
-        <p:txBody>
-          <a:bodyPr anchorCtr="0" anchor="t" bIns="45700" lIns="91425" rIns="91425" tIns="45700">
-            <a:noAutofit/>
-          </a:bodyPr>
-          <a:lstStyle/>
-          <a:p>
-            <a:pPr indent="-342900" lvl="2" marL="342900" marR="0" rtl="0" algn="l">
-              <a:lnSpc>
-                <a:spcPct val="90000"/>
-              </a:lnSpc>
-              <a:spcBef>
-                <a:spcPts val="0"/>
-              </a:spcBef>
-              <a:spcAft>
-                <a:spcPts val="0"/>
-              </a:spcAft>
-              <a:buClr>
-                <a:schemeClr val="dk1"/>
-              </a:buClr>
-              <a:buSzPct val="100000"/>
-              <a:buFont typeface="Arial"/>
-              <a:buChar char="•"/>
-            </a:pPr>
-            <a:r>
-              <a:rPr b="0" i="0" lang="en-US" sz="2000" u="none" cap="none" strike="noStrike">
-                <a:solidFill>
-                  <a:schemeClr val="dk1"/>
-                </a:solidFill>
-                <a:latin typeface="Calibri"/>
-                <a:ea typeface="Calibri"/>
-                <a:cs typeface="Calibri"/>
-                <a:sym typeface="Calibri"/>
-              </a:rPr>
-              <a:t>Allow generic functions</a:t>
-            </a:r>
-          </a:p>
-          <a:p>
-            <a:pPr indent="-342900" lvl="2" marL="342900" marR="0" rtl="0" algn="l">
-              <a:lnSpc>
-                <a:spcPct val="90000"/>
-              </a:lnSpc>
-              <a:spcBef>
-                <a:spcPts val="500"/>
-              </a:spcBef>
-              <a:spcAft>
-                <a:spcPts val="0"/>
-              </a:spcAft>
-              <a:buClr>
-                <a:schemeClr val="dk1"/>
-              </a:buClr>
-              <a:buSzPct val="100000"/>
-              <a:buFont typeface="Arial"/>
-              <a:buChar char="•"/>
-            </a:pPr>
-            <a:r>
-              <a:rPr b="0" i="0" lang="en-US" sz="2000" u="none" cap="none" strike="noStrike">
-                <a:solidFill>
-                  <a:schemeClr val="dk1"/>
-                </a:solidFill>
-                <a:latin typeface="Calibri"/>
-                <a:ea typeface="Calibri"/>
-                <a:cs typeface="Calibri"/>
-                <a:sym typeface="Calibri"/>
-              </a:rPr>
-              <a:t>Automatically track data dependency</a:t>
-            </a:r>
-          </a:p>
-          <a:p>
-            <a:pPr indent="-342900" lvl="2" marL="342900" marR="0" rtl="0" algn="l">
-              <a:lnSpc>
-                <a:spcPct val="90000"/>
-              </a:lnSpc>
-              <a:spcBef>
-                <a:spcPts val="500"/>
-              </a:spcBef>
-              <a:spcAft>
-                <a:spcPts val="0"/>
-              </a:spcAft>
-              <a:buClr>
-                <a:schemeClr val="dk1"/>
-              </a:buClr>
-              <a:buSzPct val="100000"/>
-              <a:buFont typeface="Arial"/>
-              <a:buChar char="•"/>
-            </a:pPr>
-            <a:r>
-              <a:rPr b="0" i="0" lang="en-US" sz="2000" u="none" cap="none" strike="noStrike">
-                <a:solidFill>
-                  <a:schemeClr val="dk1"/>
-                </a:solidFill>
-                <a:latin typeface="Calibri"/>
-                <a:ea typeface="Calibri"/>
-                <a:cs typeface="Calibri"/>
-                <a:sym typeface="Calibri"/>
-              </a:rPr>
-              <a:t>Automatic clean up, reschedule,  and </a:t>
-            </a:r>
-            <a:br>
-              <a:rPr b="0" i="0" lang="en-US" sz="2000" u="none" cap="none" strike="noStrike">
-                <a:solidFill>
-                  <a:schemeClr val="dk1"/>
-                </a:solidFill>
-                <a:latin typeface="Calibri"/>
-                <a:ea typeface="Calibri"/>
-                <a:cs typeface="Calibri"/>
-                <a:sym typeface="Calibri"/>
-              </a:rPr>
-            </a:br>
-            <a:r>
-              <a:rPr b="0" i="0" lang="en-US" sz="2000" u="none" cap="none" strike="noStrike">
-                <a:solidFill>
-                  <a:schemeClr val="dk1"/>
-                </a:solidFill>
-                <a:latin typeface="Calibri"/>
-                <a:ea typeface="Calibri"/>
-                <a:cs typeface="Calibri"/>
-                <a:sym typeface="Calibri"/>
-              </a:rPr>
-              <a:t>re-execute after dependent data changes (achieve intent)</a:t>
-            </a:r>
-          </a:p>
-        </p:txBody>
-      </p:sp>
-      <p:sp>
-        <p:nvSpPr>
-          <p:cNvPr id="211" name="Shape 211"/>
-          <p:cNvSpPr/>
-          <p:nvPr/>
-        </p:nvSpPr>
-        <p:spPr>
-          <a:xfrm>
-            <a:off x="2794658" y="1968149"/>
-            <a:ext cx="751114" cy="588905"/>
-          </a:xfrm>
-          <a:prstGeom prst="flowChartDocument">
-            <a:avLst/>
-          </a:prstGeom>
-          <a:gradFill>
-            <a:gsLst>
-              <a:gs pos="0">
-                <a:srgbClr val="FFFFFF"/>
-              </a:gs>
-              <a:gs pos="35000">
-                <a:srgbClr val="FFFFFF"/>
-              </a:gs>
-              <a:gs pos="100000">
-                <a:srgbClr val="4472C3"/>
-              </a:gs>
-            </a:gsLst>
-            <a:path path="circle">
-              <a:fillToRect b="50%" l="50%" r="50%" t="50%"/>
-            </a:path>
-            <a:tileRect/>
-          </a:gradFill>
-          <a:ln cap="flat" cmpd="sng" w="9525">
-            <a:solidFill>
-              <a:schemeClr val="accent1"/>
-            </a:solidFill>
-            <a:prstDash val="solid"/>
-            <a:miter/>
-            <a:headEnd len="med" w="med" type="none"/>
-            <a:tailEnd len="med" w="med" type="none"/>
-          </a:ln>
-        </p:spPr>
-        <p:txBody>
-          <a:bodyPr anchorCtr="0" anchor="ctr" bIns="45700" lIns="91425" rIns="91425" tIns="45700">
-            <a:noAutofit/>
-          </a:bodyPr>
-          <a:lstStyle/>
-          <a:p>
-            <a:pPr indent="0" lvl="0" marL="0" marR="0" rtl="0" algn="ctr">
-              <a:spcBef>
-                <a:spcPts val="0"/>
-              </a:spcBef>
-              <a:spcAft>
-                <a:spcPts val="0"/>
-              </a:spcAft>
-              <a:buSzPct val="25000"/>
-              <a:buNone/>
-            </a:pPr>
-            <a:r>
-              <a:rPr b="0" i="0" lang="en-US" sz="1200" u="none" cap="none" strike="noStrike">
-                <a:solidFill>
-                  <a:srgbClr val="C00000"/>
-                </a:solidFill>
-                <a:latin typeface="Arial"/>
-                <a:ea typeface="Arial"/>
-                <a:cs typeface="Arial"/>
-                <a:sym typeface="Arial"/>
-              </a:rPr>
-              <a:t>function</a:t>
-            </a:r>
-            <a:br>
-              <a:rPr b="0" i="0" lang="en-US" sz="1200" u="none" cap="none" strike="noStrike">
-                <a:solidFill>
-                  <a:srgbClr val="C00000"/>
-                </a:solidFill>
-                <a:latin typeface="Arial"/>
-                <a:ea typeface="Arial"/>
-                <a:cs typeface="Arial"/>
-                <a:sym typeface="Arial"/>
-              </a:rPr>
-            </a:br>
-            <a:r>
-              <a:rPr b="0" i="0" lang="en-US" sz="1200" u="none" cap="none" strike="noStrike">
-                <a:solidFill>
-                  <a:srgbClr val="C00000"/>
-                </a:solidFill>
-                <a:latin typeface="Arial"/>
-                <a:ea typeface="Arial"/>
-                <a:cs typeface="Arial"/>
-                <a:sym typeface="Arial"/>
-              </a:rPr>
-              <a:t>instance</a:t>
-            </a:r>
-          </a:p>
-        </p:txBody>
-      </p:sp>
-      <p:sp>
-        <p:nvSpPr>
-          <p:cNvPr id="212" name="Shape 212"/>
-          <p:cNvSpPr/>
-          <p:nvPr/>
-        </p:nvSpPr>
-        <p:spPr>
-          <a:xfrm>
-            <a:off x="3839683" y="1968149"/>
-            <a:ext cx="751114" cy="588905"/>
-          </a:xfrm>
-          <a:prstGeom prst="flowChartDocument">
-            <a:avLst/>
-          </a:prstGeom>
-          <a:gradFill>
-            <a:gsLst>
-              <a:gs pos="0">
-                <a:srgbClr val="FFFFFF"/>
-              </a:gs>
-              <a:gs pos="35000">
-                <a:srgbClr val="FFFFFF"/>
-              </a:gs>
-              <a:gs pos="100000">
-                <a:schemeClr val="accent6"/>
-              </a:gs>
-            </a:gsLst>
-            <a:path path="circle">
-              <a:fillToRect b="50%" l="50%" r="50%" t="50%"/>
-            </a:path>
-            <a:tileRect/>
-          </a:gradFill>
-          <a:ln cap="flat" cmpd="sng" w="9525">
-            <a:solidFill>
-              <a:schemeClr val="accent1"/>
-            </a:solidFill>
-            <a:prstDash val="solid"/>
-            <a:miter/>
-            <a:headEnd len="med" w="med" type="none"/>
-            <a:tailEnd len="med" w="med" type="none"/>
-          </a:ln>
-        </p:spPr>
-        <p:txBody>
-          <a:bodyPr anchorCtr="0" anchor="ctr" bIns="45700" lIns="91425" rIns="91425" tIns="45700">
-            <a:noAutofit/>
-          </a:bodyPr>
-          <a:lstStyle/>
-          <a:p>
-            <a:pPr indent="0" lvl="0" marL="0" marR="0" rtl="0" algn="ctr">
-              <a:spcBef>
-                <a:spcPts val="0"/>
-              </a:spcBef>
-              <a:spcAft>
-                <a:spcPts val="0"/>
-              </a:spcAft>
-              <a:buSzPct val="25000"/>
-              <a:buNone/>
-            </a:pPr>
-            <a:r>
-              <a:rPr b="0" i="0" lang="en-US" sz="1200" u="none" cap="none" strike="noStrike">
-                <a:solidFill>
-                  <a:srgbClr val="C00000"/>
-                </a:solidFill>
-                <a:latin typeface="Arial"/>
-                <a:ea typeface="Arial"/>
-                <a:cs typeface="Arial"/>
-                <a:sym typeface="Arial"/>
-              </a:rPr>
-              <a:t>function</a:t>
-            </a:r>
-            <a:br>
-              <a:rPr b="0" i="0" lang="en-US" sz="1200" u="none" cap="none" strike="noStrike">
-                <a:solidFill>
-                  <a:srgbClr val="C00000"/>
-                </a:solidFill>
-                <a:latin typeface="Arial"/>
-                <a:ea typeface="Arial"/>
-                <a:cs typeface="Arial"/>
-                <a:sym typeface="Arial"/>
-              </a:rPr>
-            </a:br>
-            <a:r>
-              <a:rPr b="0" i="0" lang="en-US" sz="1200" u="none" cap="none" strike="noStrike">
-                <a:solidFill>
-                  <a:srgbClr val="C00000"/>
-                </a:solidFill>
-                <a:latin typeface="Arial"/>
-                <a:ea typeface="Arial"/>
-                <a:cs typeface="Arial"/>
-                <a:sym typeface="Arial"/>
-              </a:rPr>
-              <a:t>instance</a:t>
             </a:r>
           </a:p>
         </p:txBody>
